--- a/docs/DPublish.pptx
+++ b/docs/DPublish.pptx
@@ -5,23 +5,20 @@
     <p:sldMasterId id="2147483850" r:id="rId4"/>
   </p:sldMasterIdLst>
   <p:notesMasterIdLst>
-    <p:notesMasterId r:id="rId19"/>
+    <p:notesMasterId r:id="rId16"/>
   </p:notesMasterIdLst>
   <p:sldIdLst>
-    <p:sldId id="300" r:id="rId5"/>
-    <p:sldId id="341" r:id="rId6"/>
-    <p:sldId id="343" r:id="rId7"/>
-    <p:sldId id="256" r:id="rId8"/>
-    <p:sldId id="298" r:id="rId9"/>
-    <p:sldId id="270" r:id="rId10"/>
-    <p:sldId id="345" r:id="rId11"/>
-    <p:sldId id="267" r:id="rId12"/>
-    <p:sldId id="293" r:id="rId13"/>
-    <p:sldId id="302" r:id="rId14"/>
-    <p:sldId id="273" r:id="rId15"/>
-    <p:sldId id="299" r:id="rId16"/>
-    <p:sldId id="344" r:id="rId17"/>
-    <p:sldId id="296" r:id="rId18"/>
+    <p:sldId id="256" r:id="rId5"/>
+    <p:sldId id="298" r:id="rId6"/>
+    <p:sldId id="270" r:id="rId7"/>
+    <p:sldId id="345" r:id="rId8"/>
+    <p:sldId id="267" r:id="rId9"/>
+    <p:sldId id="293" r:id="rId10"/>
+    <p:sldId id="302" r:id="rId11"/>
+    <p:sldId id="273" r:id="rId12"/>
+    <p:sldId id="299" r:id="rId13"/>
+    <p:sldId id="344" r:id="rId14"/>
+    <p:sldId id="296" r:id="rId15"/>
   </p:sldIdLst>
   <p:sldSz cx="12192000" cy="6858000"/>
   <p:notesSz cx="6858000" cy="9144000"/>
@@ -210,7 +207,7 @@
           <a:p>
             <a:fld id="{4D2A5A54-57FA-4281-A6F5-1860CF48FA07}" type="datetimeFigureOut">
               <a:rPr lang="en-US" smtClean="0"/>
-              <a:t>11/19/2019</a:t>
+              <a:t>11/26/2019</a:t>
             </a:fld>
             <a:endParaRPr lang="en-US"/>
           </a:p>
@@ -542,7 +539,7 @@
           <a:p>
             <a:fld id="{5F42FD7F-75AC-4945-AADB-25D3D632370D}" type="slidenum">
               <a:rPr lang="en-US" smtClean="0"/>
-              <a:t>5</a:t>
+              <a:t>2</a:t>
             </a:fld>
             <a:endParaRPr lang="en-US"/>
           </a:p>
@@ -626,7 +623,7 @@
           <a:p>
             <a:fld id="{5F42FD7F-75AC-4945-AADB-25D3D632370D}" type="slidenum">
               <a:rPr lang="en-US" smtClean="0"/>
-              <a:t>8</a:t>
+              <a:t>5</a:t>
             </a:fld>
             <a:endParaRPr lang="en-US"/>
           </a:p>
@@ -710,7 +707,7 @@
           <a:p>
             <a:fld id="{5F42FD7F-75AC-4945-AADB-25D3D632370D}" type="slidenum">
               <a:rPr lang="en-US" smtClean="0"/>
-              <a:t>14</a:t>
+              <a:t>11</a:t>
             </a:fld>
             <a:endParaRPr lang="en-US"/>
           </a:p>
@@ -6489,10 +6486,40 @@
       </p:grpSpPr>
       <p:sp>
         <p:nvSpPr>
-          <p:cNvPr id="5" name="Subtitle 4">
+          <p:cNvPr id="10" name="Title 1">
             <a:extLst>
               <a:ext uri="{FF2B5EF4-FFF2-40B4-BE49-F238E27FC236}">
-                <a16:creationId xmlns:a16="http://schemas.microsoft.com/office/drawing/2014/main" id="{E6F7702B-E972-475B-96F6-B122B5A86A9B}"/>
+                <a16:creationId xmlns:a16="http://schemas.microsoft.com/office/drawing/2014/main" id="{724833D1-3934-41C6-8727-BA0F41C3FBDD}"/>
+              </a:ext>
+            </a:extLst>
+          </p:cNvPr>
+          <p:cNvSpPr>
+            <a:spLocks noGrp="1"/>
+          </p:cNvSpPr>
+          <p:nvPr>
+            <p:ph type="ctrTitle"/>
+          </p:nvPr>
+        </p:nvSpPr>
+        <p:spPr/>
+        <p:txBody>
+          <a:bodyPr>
+            <a:normAutofit/>
+          </a:bodyPr>
+          <a:lstStyle/>
+          <a:p>
+            <a:r>
+              <a:rPr lang="en-US" dirty="0"/>
+              <a:t>Publishing a Project</a:t>
+            </a:r>
+          </a:p>
+        </p:txBody>
+      </p:sp>
+      <p:sp>
+        <p:nvSpPr>
+          <p:cNvPr id="11" name="Subtitle 2">
+            <a:extLst>
+              <a:ext uri="{FF2B5EF4-FFF2-40B4-BE49-F238E27FC236}">
+                <a16:creationId xmlns:a16="http://schemas.microsoft.com/office/drawing/2014/main" id="{F1ECA749-EB96-4C39-8F2A-5E5F3BCF38B3}"/>
               </a:ext>
             </a:extLst>
           </p:cNvPr>
@@ -6503,57 +6530,24 @@
             <p:ph type="subTitle" idx="1"/>
           </p:nvPr>
         </p:nvSpPr>
-        <p:spPr>
-          <a:xfrm>
-            <a:off x="868680" y="2468880"/>
-            <a:ext cx="3200400" cy="3328416"/>
-          </a:xfrm>
-        </p:spPr>
+        <p:spPr/>
         <p:txBody>
           <a:bodyPr>
-            <a:noAutofit/>
+            <a:normAutofit/>
           </a:bodyPr>
           <a:lstStyle/>
           <a:p>
-            <a:pPr algn="r"/>
-            <a:endParaRPr lang="en-US" sz="2400" dirty="0"/>
-          </a:p>
-        </p:txBody>
-      </p:sp>
-      <p:sp>
-        <p:nvSpPr>
-          <p:cNvPr id="7" name="Title 6">
-            <a:extLst>
-              <a:ext uri="{FF2B5EF4-FFF2-40B4-BE49-F238E27FC236}">
-                <a16:creationId xmlns:a16="http://schemas.microsoft.com/office/drawing/2014/main" id="{EB828929-3BAD-49E0-91F2-1DFDE6EE0FEB}"/>
-              </a:ext>
-            </a:extLst>
-          </p:cNvPr>
-          <p:cNvSpPr>
-            <a:spLocks noGrp="1"/>
-          </p:cNvSpPr>
-          <p:nvPr>
-            <p:ph type="ctrTitle"/>
-          </p:nvPr>
-        </p:nvSpPr>
-        <p:spPr>
-          <a:xfrm>
-            <a:off x="5303520" y="2103120"/>
-            <a:ext cx="6172200" cy="3328416"/>
-          </a:xfrm>
-        </p:spPr>
-        <p:txBody>
-          <a:bodyPr anchor="t" anchorCtr="0"/>
-          <a:lstStyle/>
-          <a:p>
-            <a:endParaRPr lang="en-US" sz="4500" dirty="0"/>
+            <a:r>
+              <a:rPr lang="en-US" sz="3600" dirty="0"/>
+              <a:t>BTT Writer for the Desktop</a:t>
+            </a:r>
           </a:p>
         </p:txBody>
       </p:sp>
     </p:spTree>
     <p:extLst>
       <p:ext uri="{BB962C8B-B14F-4D97-AF65-F5344CB8AC3E}">
-        <p14:creationId xmlns:p14="http://schemas.microsoft.com/office/powerpoint/2010/main" val="3635355011"/>
+        <p14:creationId xmlns:p14="http://schemas.microsoft.com/office/powerpoint/2010/main" val="1903575450"/>
       </p:ext>
     </p:extLst>
   </p:cSld>
@@ -6576,1657 +6570,6 @@
 </file>
 
 <file path=ppt/slides/slide10.xml><?xml version="1.0" encoding="utf-8"?>
-<p:sld xmlns:a="http://schemas.openxmlformats.org/drawingml/2006/main" xmlns:r="http://schemas.openxmlformats.org/officeDocument/2006/relationships" xmlns:p="http://schemas.openxmlformats.org/presentationml/2006/main">
-  <p:cSld>
-    <p:spTree>
-      <p:nvGrpSpPr>
-        <p:cNvPr id="1" name=""/>
-        <p:cNvGrpSpPr/>
-        <p:nvPr/>
-      </p:nvGrpSpPr>
-      <p:grpSpPr>
-        <a:xfrm>
-          <a:off x="0" y="0"/>
-          <a:ext cx="0" cy="0"/>
-          <a:chOff x="0" y="0"/>
-          <a:chExt cx="0" cy="0"/>
-        </a:xfrm>
-      </p:grpSpPr>
-      <p:sp>
-        <p:nvSpPr>
-          <p:cNvPr id="7" name="Content Placeholder 6">
-            <a:extLst>
-              <a:ext uri="{FF2B5EF4-FFF2-40B4-BE49-F238E27FC236}">
-                <a16:creationId xmlns:a16="http://schemas.microsoft.com/office/drawing/2014/main" id="{FF2C9114-7CF4-45FA-9177-03D91D154623}"/>
-              </a:ext>
-            </a:extLst>
-          </p:cNvPr>
-          <p:cNvSpPr>
-            <a:spLocks noGrp="1"/>
-          </p:cNvSpPr>
-          <p:nvPr>
-            <p:ph idx="1"/>
-          </p:nvPr>
-        </p:nvSpPr>
-        <p:spPr/>
-        <p:txBody>
-          <a:bodyPr/>
-          <a:lstStyle/>
-          <a:p>
-            <a:r>
-              <a:rPr lang="en-US" sz="2800" dirty="0"/>
-              <a:t>Publishing is a way to make your work available to others.</a:t>
-            </a:r>
-          </a:p>
-          <a:p>
-            <a:r>
-              <a:rPr lang="en-US" sz="2800" dirty="0"/>
-              <a:t>Two types:</a:t>
-            </a:r>
-          </a:p>
-          <a:p>
-            <a:pPr lvl="1"/>
-            <a:r>
-              <a:rPr lang="en-US" sz="2400" dirty="0"/>
-              <a:t>Self-publishing</a:t>
-            </a:r>
-          </a:p>
-          <a:p>
-            <a:pPr lvl="1"/>
-            <a:r>
-              <a:rPr lang="en-US" sz="2400" dirty="0"/>
-              <a:t>Source text publishing (only for Gateway Languages)</a:t>
-            </a:r>
-          </a:p>
-        </p:txBody>
-      </p:sp>
-      <p:sp>
-        <p:nvSpPr>
-          <p:cNvPr id="2" name="Rectangle: Rounded Corners 1">
-            <a:extLst>
-              <a:ext uri="{FF2B5EF4-FFF2-40B4-BE49-F238E27FC236}">
-                <a16:creationId xmlns:a16="http://schemas.microsoft.com/office/drawing/2014/main" id="{C13169EA-876E-496A-97F9-4D1BD889A93D}"/>
-              </a:ext>
-            </a:extLst>
-          </p:cNvPr>
-          <p:cNvSpPr/>
-          <p:nvPr/>
-        </p:nvSpPr>
-        <p:spPr>
-          <a:xfrm>
-            <a:off x="1858787" y="4009697"/>
-            <a:ext cx="7884303" cy="624114"/>
-          </a:xfrm>
-          <a:prstGeom prst="roundRect">
-            <a:avLst/>
-          </a:prstGeom>
-          <a:gradFill>
-            <a:gsLst>
-              <a:gs pos="0">
-                <a:schemeClr val="accent1">
-                  <a:tint val="64000"/>
-                  <a:lumMod val="118000"/>
-                  <a:alpha val="0"/>
-                </a:schemeClr>
-              </a:gs>
-              <a:gs pos="100000">
-                <a:schemeClr val="accent1">
-                  <a:tint val="92000"/>
-                  <a:alpha val="100000"/>
-                  <a:lumMod val="110000"/>
-                </a:schemeClr>
-              </a:gs>
-            </a:gsLst>
-          </a:gradFill>
-        </p:spPr>
-        <p:style>
-          <a:lnRef idx="1">
-            <a:schemeClr val="accent1"/>
-          </a:lnRef>
-          <a:fillRef idx="2">
-            <a:schemeClr val="accent1"/>
-          </a:fillRef>
-          <a:effectRef idx="1">
-            <a:schemeClr val="accent1"/>
-          </a:effectRef>
-          <a:fontRef idx="minor">
-            <a:schemeClr val="dk1"/>
-          </a:fontRef>
-        </p:style>
-        <p:txBody>
-          <a:bodyPr rtlCol="0" anchor="ctr"/>
-          <a:lstStyle/>
-          <a:p>
-            <a:pPr algn="ctr"/>
-            <a:endParaRPr lang="en-US"/>
-          </a:p>
-        </p:txBody>
-      </p:sp>
-      <p:sp>
-        <p:nvSpPr>
-          <p:cNvPr id="5" name="Title 4">
-            <a:extLst>
-              <a:ext uri="{FF2B5EF4-FFF2-40B4-BE49-F238E27FC236}">
-                <a16:creationId xmlns:a16="http://schemas.microsoft.com/office/drawing/2014/main" id="{0CE6B759-241F-4E8A-9E7A-D01393BD68F3}"/>
-              </a:ext>
-            </a:extLst>
-          </p:cNvPr>
-          <p:cNvSpPr>
-            <a:spLocks noGrp="1"/>
-          </p:cNvSpPr>
-          <p:nvPr>
-            <p:ph type="title"/>
-          </p:nvPr>
-        </p:nvSpPr>
-        <p:spPr/>
-        <p:txBody>
-          <a:bodyPr/>
-          <a:lstStyle/>
-          <a:p>
-            <a:r>
-              <a:rPr lang="en-US" dirty="0"/>
-              <a:t>What Is Publishing?</a:t>
-            </a:r>
-          </a:p>
-        </p:txBody>
-      </p:sp>
-    </p:spTree>
-    <p:extLst>
-      <p:ext uri="{BB962C8B-B14F-4D97-AF65-F5344CB8AC3E}">
-        <p14:creationId xmlns:p14="http://schemas.microsoft.com/office/powerpoint/2010/main" val="2543372400"/>
-      </p:ext>
-    </p:extLst>
-  </p:cSld>
-  <p:clrMapOvr>
-    <a:masterClrMapping/>
-  </p:clrMapOvr>
-  <mc:AlternateContent xmlns:mc="http://schemas.openxmlformats.org/markup-compatibility/2006" xmlns:p14="http://schemas.microsoft.com/office/powerpoint/2010/main">
-    <mc:Choice Requires="p14">
-      <p:transition spd="med" p14:dur="700">
-        <p:fade/>
-      </p:transition>
-    </mc:Choice>
-    <mc:Fallback xmlns="">
-      <p:transition spd="med">
-        <p:fade/>
-      </p:transition>
-    </mc:Fallback>
-  </mc:AlternateContent>
-  <p:timing>
-    <p:tnLst>
-      <p:par>
-        <p:cTn id="1" dur="indefinite" restart="never" nodeType="tmRoot">
-          <p:childTnLst>
-            <p:seq concurrent="1" nextAc="seek">
-              <p:cTn id="2" dur="indefinite" nodeType="mainSeq">
-                <p:childTnLst>
-                  <p:par>
-                    <p:cTn id="3" fill="hold">
-                      <p:stCondLst>
-                        <p:cond delay="indefinite"/>
-                        <p:cond evt="onBegin" delay="0">
-                          <p:tn val="2"/>
-                        </p:cond>
-                      </p:stCondLst>
-                      <p:childTnLst>
-                        <p:par>
-                          <p:cTn id="4" fill="hold">
-                            <p:stCondLst>
-                              <p:cond delay="0"/>
-                            </p:stCondLst>
-                            <p:childTnLst>
-                              <p:par>
-                                <p:cTn id="5" presetID="22" presetClass="entr" presetSubtype="8" fill="hold" grpId="0" nodeType="afterEffect">
-                                  <p:stCondLst>
-                                    <p:cond delay="0"/>
-                                  </p:stCondLst>
-                                  <p:childTnLst>
-                                    <p:set>
-                                      <p:cBhvr>
-                                        <p:cTn id="6" dur="1" fill="hold">
-                                          <p:stCondLst>
-                                            <p:cond delay="0"/>
-                                          </p:stCondLst>
-                                        </p:cTn>
-                                        <p:tgtEl>
-                                          <p:spTgt spid="2"/>
-                                        </p:tgtEl>
-                                        <p:attrNameLst>
-                                          <p:attrName>style.visibility</p:attrName>
-                                        </p:attrNameLst>
-                                      </p:cBhvr>
-                                      <p:to>
-                                        <p:strVal val="visible"/>
-                                      </p:to>
-                                    </p:set>
-                                    <p:animEffect transition="in" filter="wipe(left)">
-                                      <p:cBhvr>
-                                        <p:cTn id="7" dur="2000"/>
-                                        <p:tgtEl>
-                                          <p:spTgt spid="2"/>
-                                        </p:tgtEl>
-                                      </p:cBhvr>
-                                    </p:animEffect>
-                                  </p:childTnLst>
-                                </p:cTn>
-                              </p:par>
-                            </p:childTnLst>
-                          </p:cTn>
-                        </p:par>
-                      </p:childTnLst>
-                    </p:cTn>
-                  </p:par>
-                </p:childTnLst>
-              </p:cTn>
-              <p:prevCondLst>
-                <p:cond evt="onPrev" delay="0">
-                  <p:tgtEl>
-                    <p:sldTgt/>
-                  </p:tgtEl>
-                </p:cond>
-              </p:prevCondLst>
-              <p:nextCondLst>
-                <p:cond evt="onNext" delay="0">
-                  <p:tgtEl>
-                    <p:sldTgt/>
-                  </p:tgtEl>
-                </p:cond>
-              </p:nextCondLst>
-            </p:seq>
-          </p:childTnLst>
-        </p:cTn>
-      </p:par>
-    </p:tnLst>
-    <p:bldLst>
-      <p:bldP spid="2" grpId="0" animBg="1"/>
-    </p:bldLst>
-  </p:timing>
-</p:sld>
-</file>
-
-<file path=ppt/slides/slide11.xml><?xml version="1.0" encoding="utf-8"?>
-<p:sld xmlns:a="http://schemas.openxmlformats.org/drawingml/2006/main" xmlns:r="http://schemas.openxmlformats.org/officeDocument/2006/relationships" xmlns:p="http://schemas.openxmlformats.org/presentationml/2006/main">
-  <p:cSld>
-    <p:spTree>
-      <p:nvGrpSpPr>
-        <p:cNvPr id="1" name=""/>
-        <p:cNvGrpSpPr/>
-        <p:nvPr/>
-      </p:nvGrpSpPr>
-      <p:grpSpPr>
-        <a:xfrm>
-          <a:off x="0" y="0"/>
-          <a:ext cx="0" cy="0"/>
-          <a:chOff x="0" y="0"/>
-          <a:chExt cx="0" cy="0"/>
-        </a:xfrm>
-      </p:grpSpPr>
-      <p:sp>
-        <p:nvSpPr>
-          <p:cNvPr id="4" name="Content Placeholder 2">
-            <a:extLst>
-              <a:ext uri="{FF2B5EF4-FFF2-40B4-BE49-F238E27FC236}">
-                <a16:creationId xmlns:a16="http://schemas.microsoft.com/office/drawing/2014/main" id="{0DBA7DF5-D4DF-4624-8497-77378CBC0767}"/>
-              </a:ext>
-            </a:extLst>
-          </p:cNvPr>
-          <p:cNvSpPr txBox="1">
-            <a:spLocks/>
-          </p:cNvSpPr>
-          <p:nvPr/>
-        </p:nvSpPr>
-        <p:spPr>
-          <a:xfrm>
-            <a:off x="1484310" y="1423447"/>
-            <a:ext cx="10018713" cy="4367753"/>
-          </a:xfrm>
-          <a:prstGeom prst="rect">
-            <a:avLst/>
-          </a:prstGeom>
-        </p:spPr>
-        <p:txBody>
-          <a:bodyPr vert="horz" lIns="91440" tIns="45720" rIns="91440" bIns="45720" rtlCol="0" anchor="t" anchorCtr="0">
-            <a:noAutofit/>
-          </a:bodyPr>
-          <a:lstStyle>
-            <a:lvl1pPr marL="285750" indent="-285750" algn="l" defTabSz="457200" rtl="0" eaLnBrk="1" latinLnBrk="0" hangingPunct="1">
-              <a:spcBef>
-                <a:spcPct val="20000"/>
-              </a:spcBef>
-              <a:spcAft>
-                <a:spcPts val="600"/>
-              </a:spcAft>
-              <a:buClr>
-                <a:schemeClr val="accent1">
-                  <a:lumMod val="75000"/>
-                </a:schemeClr>
-              </a:buClr>
-              <a:buSzPct val="145000"/>
-              <a:buFont typeface="Arial"/>
-              <a:buChar char="•"/>
-              <a:defRPr sz="2400" kern="1200" cap="none">
-                <a:solidFill>
-                  <a:schemeClr val="tx1"/>
-                </a:solidFill>
-                <a:effectLst/>
-                <a:latin typeface="+mn-lt"/>
-                <a:ea typeface="+mn-ea"/>
-                <a:cs typeface="+mn-cs"/>
-              </a:defRPr>
-            </a:lvl1pPr>
-            <a:lvl2pPr marL="742950" indent="-285750" algn="l" defTabSz="457200" rtl="0" eaLnBrk="1" latinLnBrk="0" hangingPunct="1">
-              <a:spcBef>
-                <a:spcPct val="20000"/>
-              </a:spcBef>
-              <a:spcAft>
-                <a:spcPts val="600"/>
-              </a:spcAft>
-              <a:buClr>
-                <a:schemeClr val="accent1">
-                  <a:lumMod val="75000"/>
-                </a:schemeClr>
-              </a:buClr>
-              <a:buSzPct val="145000"/>
-              <a:buFont typeface="Arial"/>
-              <a:buChar char="•"/>
-              <a:defRPr sz="2000" kern="1200" cap="none">
-                <a:solidFill>
-                  <a:schemeClr val="tx1"/>
-                </a:solidFill>
-                <a:effectLst/>
-                <a:latin typeface="+mn-lt"/>
-                <a:ea typeface="+mn-ea"/>
-                <a:cs typeface="+mn-cs"/>
-              </a:defRPr>
-            </a:lvl2pPr>
-            <a:lvl3pPr marL="1200150" indent="-285750" algn="l" defTabSz="457200" rtl="0" eaLnBrk="1" latinLnBrk="0" hangingPunct="1">
-              <a:spcBef>
-                <a:spcPct val="20000"/>
-              </a:spcBef>
-              <a:spcAft>
-                <a:spcPts val="600"/>
-              </a:spcAft>
-              <a:buClr>
-                <a:schemeClr val="accent1">
-                  <a:lumMod val="75000"/>
-                </a:schemeClr>
-              </a:buClr>
-              <a:buSzPct val="145000"/>
-              <a:buFont typeface="Arial"/>
-              <a:buChar char="•"/>
-              <a:defRPr sz="1800" kern="1200" cap="none">
-                <a:solidFill>
-                  <a:schemeClr val="tx1"/>
-                </a:solidFill>
-                <a:effectLst/>
-                <a:latin typeface="+mn-lt"/>
-                <a:ea typeface="+mn-ea"/>
-                <a:cs typeface="+mn-cs"/>
-              </a:defRPr>
-            </a:lvl3pPr>
-            <a:lvl4pPr marL="1543050" indent="-171450" algn="l" defTabSz="457200" rtl="0" eaLnBrk="1" latinLnBrk="0" hangingPunct="1">
-              <a:spcBef>
-                <a:spcPct val="20000"/>
-              </a:spcBef>
-              <a:spcAft>
-                <a:spcPts val="600"/>
-              </a:spcAft>
-              <a:buClr>
-                <a:schemeClr val="accent1">
-                  <a:lumMod val="75000"/>
-                </a:schemeClr>
-              </a:buClr>
-              <a:buSzPct val="145000"/>
-              <a:buFont typeface="Arial"/>
-              <a:buChar char="•"/>
-              <a:defRPr sz="1600" kern="1200" cap="none">
-                <a:solidFill>
-                  <a:schemeClr val="tx1"/>
-                </a:solidFill>
-                <a:effectLst/>
-                <a:latin typeface="+mn-lt"/>
-                <a:ea typeface="+mn-ea"/>
-                <a:cs typeface="+mn-cs"/>
-              </a:defRPr>
-            </a:lvl4pPr>
-            <a:lvl5pPr marL="2000250" indent="-171450" algn="l" defTabSz="457200" rtl="0" eaLnBrk="1" latinLnBrk="0" hangingPunct="1">
-              <a:spcBef>
-                <a:spcPct val="20000"/>
-              </a:spcBef>
-              <a:spcAft>
-                <a:spcPts val="600"/>
-              </a:spcAft>
-              <a:buClr>
-                <a:schemeClr val="accent1">
-                  <a:lumMod val="75000"/>
-                </a:schemeClr>
-              </a:buClr>
-              <a:buSzPct val="145000"/>
-              <a:buFont typeface="Arial"/>
-              <a:buChar char="•"/>
-              <a:defRPr sz="1400" kern="1200" cap="none">
-                <a:solidFill>
-                  <a:schemeClr val="tx1"/>
-                </a:solidFill>
-                <a:effectLst/>
-                <a:latin typeface="+mn-lt"/>
-                <a:ea typeface="+mn-ea"/>
-                <a:cs typeface="+mn-cs"/>
-              </a:defRPr>
-            </a:lvl5pPr>
-            <a:lvl6pPr marL="2514600" indent="-228600" algn="l" defTabSz="457200" rtl="0" eaLnBrk="1" latinLnBrk="0" hangingPunct="1">
-              <a:spcBef>
-                <a:spcPct val="20000"/>
-              </a:spcBef>
-              <a:spcAft>
-                <a:spcPts val="600"/>
-              </a:spcAft>
-              <a:buClr>
-                <a:schemeClr val="accent1">
-                  <a:lumMod val="75000"/>
-                </a:schemeClr>
-              </a:buClr>
-              <a:buSzPct val="145000"/>
-              <a:buFont typeface="Arial"/>
-              <a:buChar char="•"/>
-              <a:defRPr sz="1400" kern="1200" cap="none">
-                <a:solidFill>
-                  <a:schemeClr val="tx1"/>
-                </a:solidFill>
-                <a:effectLst/>
-                <a:latin typeface="+mn-lt"/>
-                <a:ea typeface="+mn-ea"/>
-                <a:cs typeface="+mn-cs"/>
-              </a:defRPr>
-            </a:lvl6pPr>
-            <a:lvl7pPr marL="2971800" indent="-228600" algn="l" defTabSz="457200" rtl="0" eaLnBrk="1" latinLnBrk="0" hangingPunct="1">
-              <a:spcBef>
-                <a:spcPct val="20000"/>
-              </a:spcBef>
-              <a:spcAft>
-                <a:spcPts val="600"/>
-              </a:spcAft>
-              <a:buClr>
-                <a:schemeClr val="accent1">
-                  <a:lumMod val="75000"/>
-                </a:schemeClr>
-              </a:buClr>
-              <a:buSzPct val="145000"/>
-              <a:buFont typeface="Arial"/>
-              <a:buChar char="•"/>
-              <a:defRPr sz="1400" kern="1200" cap="none">
-                <a:solidFill>
-                  <a:schemeClr val="tx1"/>
-                </a:solidFill>
-                <a:effectLst/>
-                <a:latin typeface="+mn-lt"/>
-                <a:ea typeface="+mn-ea"/>
-                <a:cs typeface="+mn-cs"/>
-              </a:defRPr>
-            </a:lvl7pPr>
-            <a:lvl8pPr marL="3429000" indent="-228600" algn="l" defTabSz="457200" rtl="0" eaLnBrk="1" latinLnBrk="0" hangingPunct="1">
-              <a:spcBef>
-                <a:spcPct val="20000"/>
-              </a:spcBef>
-              <a:spcAft>
-                <a:spcPts val="600"/>
-              </a:spcAft>
-              <a:buClr>
-                <a:schemeClr val="accent1">
-                  <a:lumMod val="75000"/>
-                </a:schemeClr>
-              </a:buClr>
-              <a:buSzPct val="145000"/>
-              <a:buFont typeface="Arial"/>
-              <a:buChar char="•"/>
-              <a:defRPr sz="1400" kern="1200" cap="none">
-                <a:solidFill>
-                  <a:schemeClr val="tx1"/>
-                </a:solidFill>
-                <a:effectLst/>
-                <a:latin typeface="+mn-lt"/>
-                <a:ea typeface="+mn-ea"/>
-                <a:cs typeface="+mn-cs"/>
-              </a:defRPr>
-            </a:lvl8pPr>
-            <a:lvl9pPr marL="3886200" indent="-228600" algn="l" defTabSz="457200" rtl="0" eaLnBrk="1" latinLnBrk="0" hangingPunct="1">
-              <a:spcBef>
-                <a:spcPct val="20000"/>
-              </a:spcBef>
-              <a:spcAft>
-                <a:spcPts val="600"/>
-              </a:spcAft>
-              <a:buClr>
-                <a:schemeClr val="accent1">
-                  <a:lumMod val="75000"/>
-                </a:schemeClr>
-              </a:buClr>
-              <a:buSzPct val="145000"/>
-              <a:buFont typeface="Arial"/>
-              <a:buChar char="•"/>
-              <a:defRPr sz="1400" kern="1200" cap="none">
-                <a:solidFill>
-                  <a:schemeClr val="tx1"/>
-                </a:solidFill>
-                <a:effectLst/>
-                <a:latin typeface="+mn-lt"/>
-                <a:ea typeface="+mn-ea"/>
-                <a:cs typeface="+mn-cs"/>
-              </a:defRPr>
-            </a:lvl9pPr>
-          </a:lstStyle>
-          <a:p>
-            <a:pPr marL="0" indent="0">
-              <a:buNone/>
-            </a:pPr>
-            <a:r>
-              <a:rPr lang="en-US" sz="2800" dirty="0"/>
-              <a:t>To publish the source text for a Gateway Language you must:</a:t>
-            </a:r>
-          </a:p>
-          <a:p>
-            <a:pPr marL="514350" indent="-514350">
-              <a:buFont typeface="+mj-lt"/>
-              <a:buAutoNum type="arabicPeriod"/>
-            </a:pPr>
-            <a:r>
-              <a:rPr lang="en-US" sz="2800" dirty="0"/>
-              <a:t>Meet the prerequisites</a:t>
-            </a:r>
-          </a:p>
-          <a:p>
-            <a:pPr marL="514350" indent="-514350">
-              <a:buFont typeface="+mj-lt"/>
-              <a:buAutoNum type="arabicPeriod"/>
-            </a:pPr>
-            <a:r>
-              <a:rPr lang="en-US" sz="2800" dirty="0"/>
-              <a:t>Submit Source Text Request Form</a:t>
-            </a:r>
-          </a:p>
-        </p:txBody>
-      </p:sp>
-      <p:sp>
-        <p:nvSpPr>
-          <p:cNvPr id="2" name="Title 1">
-            <a:extLst>
-              <a:ext uri="{FF2B5EF4-FFF2-40B4-BE49-F238E27FC236}">
-                <a16:creationId xmlns:a16="http://schemas.microsoft.com/office/drawing/2014/main" id="{C65C7369-CC71-4D0B-ACC8-3341E1EEDFAE}"/>
-              </a:ext>
-            </a:extLst>
-          </p:cNvPr>
-          <p:cNvSpPr>
-            <a:spLocks noGrp="1"/>
-          </p:cNvSpPr>
-          <p:nvPr>
-            <p:ph type="title"/>
-          </p:nvPr>
-        </p:nvSpPr>
-        <p:spPr/>
-        <p:txBody>
-          <a:bodyPr/>
-          <a:lstStyle/>
-          <a:p>
-            <a:r>
-              <a:rPr lang="en-US" dirty="0"/>
-              <a:t>How Do I Publish Source Text?</a:t>
-            </a:r>
-          </a:p>
-        </p:txBody>
-      </p:sp>
-    </p:spTree>
-    <p:extLst>
-      <p:ext uri="{BB962C8B-B14F-4D97-AF65-F5344CB8AC3E}">
-        <p14:creationId xmlns:p14="http://schemas.microsoft.com/office/powerpoint/2010/main" val="2678941381"/>
-      </p:ext>
-    </p:extLst>
-  </p:cSld>
-  <p:clrMapOvr>
-    <a:masterClrMapping/>
-  </p:clrMapOvr>
-  <mc:AlternateContent xmlns:mc="http://schemas.openxmlformats.org/markup-compatibility/2006" xmlns:p14="http://schemas.microsoft.com/office/powerpoint/2010/main">
-    <mc:Choice Requires="p14">
-      <p:transition spd="med" p14:dur="700">
-        <p:fade/>
-      </p:transition>
-    </mc:Choice>
-    <mc:Fallback xmlns="">
-      <p:transition spd="med">
-        <p:fade/>
-      </p:transition>
-    </mc:Fallback>
-  </mc:AlternateContent>
-</p:sld>
-</file>
-
-<file path=ppt/slides/slide12.xml><?xml version="1.0" encoding="utf-8"?>
-<p:sld xmlns:a="http://schemas.openxmlformats.org/drawingml/2006/main" xmlns:r="http://schemas.openxmlformats.org/officeDocument/2006/relationships" xmlns:p="http://schemas.openxmlformats.org/presentationml/2006/main">
-  <p:cSld>
-    <p:spTree>
-      <p:nvGrpSpPr>
-        <p:cNvPr id="1" name=""/>
-        <p:cNvGrpSpPr/>
-        <p:nvPr/>
-      </p:nvGrpSpPr>
-      <p:grpSpPr>
-        <a:xfrm>
-          <a:off x="0" y="0"/>
-          <a:ext cx="0" cy="0"/>
-          <a:chOff x="0" y="0"/>
-          <a:chExt cx="0" cy="0"/>
-        </a:xfrm>
-      </p:grpSpPr>
-      <p:sp>
-        <p:nvSpPr>
-          <p:cNvPr id="4" name="Content Placeholder 2">
-            <a:extLst>
-              <a:ext uri="{FF2B5EF4-FFF2-40B4-BE49-F238E27FC236}">
-                <a16:creationId xmlns:a16="http://schemas.microsoft.com/office/drawing/2014/main" id="{0DBA7DF5-D4DF-4624-8497-77378CBC0767}"/>
-              </a:ext>
-            </a:extLst>
-          </p:cNvPr>
-          <p:cNvSpPr txBox="1">
-            <a:spLocks/>
-          </p:cNvSpPr>
-          <p:nvPr/>
-        </p:nvSpPr>
-        <p:spPr>
-          <a:xfrm>
-            <a:off x="1261754" y="1207724"/>
-            <a:ext cx="10211821" cy="5513832"/>
-          </a:xfrm>
-          <a:prstGeom prst="rect">
-            <a:avLst/>
-          </a:prstGeom>
-        </p:spPr>
-        <p:txBody>
-          <a:bodyPr vert="horz" lIns="91440" tIns="45720" rIns="91440" bIns="45720" rtlCol="0" anchor="t" anchorCtr="0">
-            <a:noAutofit/>
-          </a:bodyPr>
-          <a:lstStyle>
-            <a:lvl1pPr marL="285750" indent="-285750" algn="l" defTabSz="457200" rtl="0" eaLnBrk="1" latinLnBrk="0" hangingPunct="1">
-              <a:spcBef>
-                <a:spcPct val="20000"/>
-              </a:spcBef>
-              <a:spcAft>
-                <a:spcPts val="600"/>
-              </a:spcAft>
-              <a:buClr>
-                <a:schemeClr val="accent1">
-                  <a:lumMod val="75000"/>
-                </a:schemeClr>
-              </a:buClr>
-              <a:buSzPct val="145000"/>
-              <a:buFont typeface="Arial"/>
-              <a:buChar char="•"/>
-              <a:defRPr sz="2400" kern="1200" cap="none">
-                <a:solidFill>
-                  <a:schemeClr val="tx1"/>
-                </a:solidFill>
-                <a:effectLst/>
-                <a:latin typeface="+mn-lt"/>
-                <a:ea typeface="+mn-ea"/>
-                <a:cs typeface="+mn-cs"/>
-              </a:defRPr>
-            </a:lvl1pPr>
-            <a:lvl2pPr marL="742950" indent="-285750" algn="l" defTabSz="457200" rtl="0" eaLnBrk="1" latinLnBrk="0" hangingPunct="1">
-              <a:spcBef>
-                <a:spcPct val="20000"/>
-              </a:spcBef>
-              <a:spcAft>
-                <a:spcPts val="600"/>
-              </a:spcAft>
-              <a:buClr>
-                <a:schemeClr val="accent1">
-                  <a:lumMod val="75000"/>
-                </a:schemeClr>
-              </a:buClr>
-              <a:buSzPct val="145000"/>
-              <a:buFont typeface="Arial"/>
-              <a:buChar char="•"/>
-              <a:defRPr sz="2000" kern="1200" cap="none">
-                <a:solidFill>
-                  <a:schemeClr val="tx1"/>
-                </a:solidFill>
-                <a:effectLst/>
-                <a:latin typeface="+mn-lt"/>
-                <a:ea typeface="+mn-ea"/>
-                <a:cs typeface="+mn-cs"/>
-              </a:defRPr>
-            </a:lvl2pPr>
-            <a:lvl3pPr marL="1200150" indent="-285750" algn="l" defTabSz="457200" rtl="0" eaLnBrk="1" latinLnBrk="0" hangingPunct="1">
-              <a:spcBef>
-                <a:spcPct val="20000"/>
-              </a:spcBef>
-              <a:spcAft>
-                <a:spcPts val="600"/>
-              </a:spcAft>
-              <a:buClr>
-                <a:schemeClr val="accent1">
-                  <a:lumMod val="75000"/>
-                </a:schemeClr>
-              </a:buClr>
-              <a:buSzPct val="145000"/>
-              <a:buFont typeface="Arial"/>
-              <a:buChar char="•"/>
-              <a:defRPr sz="1800" kern="1200" cap="none">
-                <a:solidFill>
-                  <a:schemeClr val="tx1"/>
-                </a:solidFill>
-                <a:effectLst/>
-                <a:latin typeface="+mn-lt"/>
-                <a:ea typeface="+mn-ea"/>
-                <a:cs typeface="+mn-cs"/>
-              </a:defRPr>
-            </a:lvl3pPr>
-            <a:lvl4pPr marL="1543050" indent="-171450" algn="l" defTabSz="457200" rtl="0" eaLnBrk="1" latinLnBrk="0" hangingPunct="1">
-              <a:spcBef>
-                <a:spcPct val="20000"/>
-              </a:spcBef>
-              <a:spcAft>
-                <a:spcPts val="600"/>
-              </a:spcAft>
-              <a:buClr>
-                <a:schemeClr val="accent1">
-                  <a:lumMod val="75000"/>
-                </a:schemeClr>
-              </a:buClr>
-              <a:buSzPct val="145000"/>
-              <a:buFont typeface="Arial"/>
-              <a:buChar char="•"/>
-              <a:defRPr sz="1600" kern="1200" cap="none">
-                <a:solidFill>
-                  <a:schemeClr val="tx1"/>
-                </a:solidFill>
-                <a:effectLst/>
-                <a:latin typeface="+mn-lt"/>
-                <a:ea typeface="+mn-ea"/>
-                <a:cs typeface="+mn-cs"/>
-              </a:defRPr>
-            </a:lvl4pPr>
-            <a:lvl5pPr marL="2000250" indent="-171450" algn="l" defTabSz="457200" rtl="0" eaLnBrk="1" latinLnBrk="0" hangingPunct="1">
-              <a:spcBef>
-                <a:spcPct val="20000"/>
-              </a:spcBef>
-              <a:spcAft>
-                <a:spcPts val="600"/>
-              </a:spcAft>
-              <a:buClr>
-                <a:schemeClr val="accent1">
-                  <a:lumMod val="75000"/>
-                </a:schemeClr>
-              </a:buClr>
-              <a:buSzPct val="145000"/>
-              <a:buFont typeface="Arial"/>
-              <a:buChar char="•"/>
-              <a:defRPr sz="1400" kern="1200" cap="none">
-                <a:solidFill>
-                  <a:schemeClr val="tx1"/>
-                </a:solidFill>
-                <a:effectLst/>
-                <a:latin typeface="+mn-lt"/>
-                <a:ea typeface="+mn-ea"/>
-                <a:cs typeface="+mn-cs"/>
-              </a:defRPr>
-            </a:lvl5pPr>
-            <a:lvl6pPr marL="2514600" indent="-228600" algn="l" defTabSz="457200" rtl="0" eaLnBrk="1" latinLnBrk="0" hangingPunct="1">
-              <a:spcBef>
-                <a:spcPct val="20000"/>
-              </a:spcBef>
-              <a:spcAft>
-                <a:spcPts val="600"/>
-              </a:spcAft>
-              <a:buClr>
-                <a:schemeClr val="accent1">
-                  <a:lumMod val="75000"/>
-                </a:schemeClr>
-              </a:buClr>
-              <a:buSzPct val="145000"/>
-              <a:buFont typeface="Arial"/>
-              <a:buChar char="•"/>
-              <a:defRPr sz="1400" kern="1200" cap="none">
-                <a:solidFill>
-                  <a:schemeClr val="tx1"/>
-                </a:solidFill>
-                <a:effectLst/>
-                <a:latin typeface="+mn-lt"/>
-                <a:ea typeface="+mn-ea"/>
-                <a:cs typeface="+mn-cs"/>
-              </a:defRPr>
-            </a:lvl6pPr>
-            <a:lvl7pPr marL="2971800" indent="-228600" algn="l" defTabSz="457200" rtl="0" eaLnBrk="1" latinLnBrk="0" hangingPunct="1">
-              <a:spcBef>
-                <a:spcPct val="20000"/>
-              </a:spcBef>
-              <a:spcAft>
-                <a:spcPts val="600"/>
-              </a:spcAft>
-              <a:buClr>
-                <a:schemeClr val="accent1">
-                  <a:lumMod val="75000"/>
-                </a:schemeClr>
-              </a:buClr>
-              <a:buSzPct val="145000"/>
-              <a:buFont typeface="Arial"/>
-              <a:buChar char="•"/>
-              <a:defRPr sz="1400" kern="1200" cap="none">
-                <a:solidFill>
-                  <a:schemeClr val="tx1"/>
-                </a:solidFill>
-                <a:effectLst/>
-                <a:latin typeface="+mn-lt"/>
-                <a:ea typeface="+mn-ea"/>
-                <a:cs typeface="+mn-cs"/>
-              </a:defRPr>
-            </a:lvl7pPr>
-            <a:lvl8pPr marL="3429000" indent="-228600" algn="l" defTabSz="457200" rtl="0" eaLnBrk="1" latinLnBrk="0" hangingPunct="1">
-              <a:spcBef>
-                <a:spcPct val="20000"/>
-              </a:spcBef>
-              <a:spcAft>
-                <a:spcPts val="600"/>
-              </a:spcAft>
-              <a:buClr>
-                <a:schemeClr val="accent1">
-                  <a:lumMod val="75000"/>
-                </a:schemeClr>
-              </a:buClr>
-              <a:buSzPct val="145000"/>
-              <a:buFont typeface="Arial"/>
-              <a:buChar char="•"/>
-              <a:defRPr sz="1400" kern="1200" cap="none">
-                <a:solidFill>
-                  <a:schemeClr val="tx1"/>
-                </a:solidFill>
-                <a:effectLst/>
-                <a:latin typeface="+mn-lt"/>
-                <a:ea typeface="+mn-ea"/>
-                <a:cs typeface="+mn-cs"/>
-              </a:defRPr>
-            </a:lvl8pPr>
-            <a:lvl9pPr marL="3886200" indent="-228600" algn="l" defTabSz="457200" rtl="0" eaLnBrk="1" latinLnBrk="0" hangingPunct="1">
-              <a:spcBef>
-                <a:spcPct val="20000"/>
-              </a:spcBef>
-              <a:spcAft>
-                <a:spcPts val="600"/>
-              </a:spcAft>
-              <a:buClr>
-                <a:schemeClr val="accent1">
-                  <a:lumMod val="75000"/>
-                </a:schemeClr>
-              </a:buClr>
-              <a:buSzPct val="145000"/>
-              <a:buFont typeface="Arial"/>
-              <a:buChar char="•"/>
-              <a:defRPr sz="1400" kern="1200" cap="none">
-                <a:solidFill>
-                  <a:schemeClr val="tx1"/>
-                </a:solidFill>
-                <a:effectLst/>
-                <a:latin typeface="+mn-lt"/>
-                <a:ea typeface="+mn-ea"/>
-                <a:cs typeface="+mn-cs"/>
-              </a:defRPr>
-            </a:lvl9pPr>
-          </a:lstStyle>
-          <a:p>
-            <a:pPr marL="0" indent="0">
-              <a:buNone/>
-            </a:pPr>
-            <a:r>
-              <a:rPr lang="en-US" sz="2600" dirty="0"/>
-              <a:t>The source text must meet all of the following:</a:t>
-            </a:r>
-          </a:p>
-          <a:p>
-            <a:r>
-              <a:rPr lang="en-US" sz="2600" dirty="0"/>
-              <a:t>Whole resource: Entire book or all of Open Bible Stories</a:t>
-            </a:r>
-          </a:p>
-          <a:p>
-            <a:r>
-              <a:rPr lang="en-US" sz="2600" dirty="0"/>
-              <a:t>Appropriate </a:t>
-            </a:r>
-            <a:r>
-              <a:rPr lang="en-US" sz="2600" dirty="0">
-                <a:hlinkClick r:id="rId2"/>
-              </a:rPr>
-              <a:t>checking level</a:t>
-            </a:r>
-            <a:r>
-              <a:rPr lang="en-US" sz="2600" dirty="0"/>
-              <a:t>: Level 3 for Bible translations</a:t>
-            </a:r>
-          </a:p>
-          <a:p>
-            <a:r>
-              <a:rPr lang="en-US" sz="2600" dirty="0"/>
-              <a:t>Uploaded to Door43: Merge content if done on multiple devices</a:t>
-            </a:r>
-          </a:p>
-          <a:p>
-            <a:r>
-              <a:rPr lang="en-US" sz="2600" dirty="0"/>
-              <a:t>All contributors listed by either name or pseudonym</a:t>
-            </a:r>
-          </a:p>
-          <a:p>
-            <a:r>
-              <a:rPr lang="en-US" sz="2600" dirty="0"/>
-              <a:t>Agreements: Document agreements by all contributors to License, Statement of Faith, and Translation Guidelines; </a:t>
-            </a:r>
-          </a:p>
-          <a:p>
-            <a:pPr marL="0" indent="0">
-              <a:spcAft>
-                <a:spcPts val="0"/>
-              </a:spcAft>
-              <a:buNone/>
-            </a:pPr>
-            <a:r>
-              <a:rPr lang="en-US" sz="2600" dirty="0"/>
-              <a:t>     </a:t>
-            </a:r>
-            <a:r>
-              <a:rPr lang="en-US" sz="2400" dirty="0"/>
-              <a:t>May be done by having them:</a:t>
-            </a:r>
-          </a:p>
-          <a:p>
-            <a:pPr marL="914400" lvl="2" indent="0">
-              <a:spcBef>
-                <a:spcPts val="0"/>
-              </a:spcBef>
-              <a:spcAft>
-                <a:spcPts val="0"/>
-              </a:spcAft>
-              <a:buNone/>
-            </a:pPr>
-            <a:r>
-              <a:rPr lang="en-US" sz="2400" dirty="0"/>
-              <a:t>Create Door43 accounts</a:t>
-            </a:r>
-            <a:endParaRPr lang="en-US" sz="2000" dirty="0"/>
-          </a:p>
-          <a:p>
-            <a:pPr lvl="1"/>
-            <a:endParaRPr lang="en-US" sz="2400" dirty="0"/>
-          </a:p>
-        </p:txBody>
-      </p:sp>
-      <p:sp>
-        <p:nvSpPr>
-          <p:cNvPr id="2" name="Title 1">
-            <a:extLst>
-              <a:ext uri="{FF2B5EF4-FFF2-40B4-BE49-F238E27FC236}">
-                <a16:creationId xmlns:a16="http://schemas.microsoft.com/office/drawing/2014/main" id="{C65C7369-CC71-4D0B-ACC8-3341E1EEDFAE}"/>
-              </a:ext>
-            </a:extLst>
-          </p:cNvPr>
-          <p:cNvSpPr>
-            <a:spLocks noGrp="1"/>
-          </p:cNvSpPr>
-          <p:nvPr>
-            <p:ph type="title"/>
-          </p:nvPr>
-        </p:nvSpPr>
-        <p:spPr/>
-        <p:txBody>
-          <a:bodyPr/>
-          <a:lstStyle/>
-          <a:p>
-            <a:r>
-              <a:rPr lang="en-US" sz="3600" dirty="0"/>
-              <a:t>Prerequisites for Publishing Source Text</a:t>
-            </a:r>
-          </a:p>
-        </p:txBody>
-      </p:sp>
-      <p:sp>
-        <p:nvSpPr>
-          <p:cNvPr id="3" name="TextBox 2">
-            <a:extLst>
-              <a:ext uri="{FF2B5EF4-FFF2-40B4-BE49-F238E27FC236}">
-                <a16:creationId xmlns:a16="http://schemas.microsoft.com/office/drawing/2014/main" id="{038928D7-3651-493C-A7B4-933980ECE60C}"/>
-              </a:ext>
-            </a:extLst>
-          </p:cNvPr>
-          <p:cNvSpPr txBox="1"/>
-          <p:nvPr/>
-        </p:nvSpPr>
-        <p:spPr>
-          <a:xfrm>
-            <a:off x="2238702" y="5726287"/>
-            <a:ext cx="8090411" cy="1200329"/>
-          </a:xfrm>
-          <a:prstGeom prst="rect">
-            <a:avLst/>
-          </a:prstGeom>
-          <a:noFill/>
-        </p:spPr>
-        <p:txBody>
-          <a:bodyPr wrap="square" rtlCol="0">
-            <a:spAutoFit/>
-          </a:bodyPr>
-          <a:lstStyle/>
-          <a:p>
-            <a:r>
-              <a:rPr lang="en-US" sz="2400" dirty="0"/>
-              <a:t>                                            OR  physically sign </a:t>
-            </a:r>
-            <a:r>
-              <a:rPr lang="en-US" sz="2400" dirty="0">
-                <a:hlinkClick r:id="rId3"/>
-              </a:rPr>
-              <a:t>documents</a:t>
-            </a:r>
-            <a:r>
-              <a:rPr lang="en-US" sz="2400" dirty="0"/>
-              <a:t> and digitize them (scan or photo)</a:t>
-            </a:r>
-          </a:p>
-          <a:p>
-            <a:endParaRPr lang="en-US" sz="2400" dirty="0"/>
-          </a:p>
-        </p:txBody>
-      </p:sp>
-    </p:spTree>
-    <p:extLst>
-      <p:ext uri="{BB962C8B-B14F-4D97-AF65-F5344CB8AC3E}">
-        <p14:creationId xmlns:p14="http://schemas.microsoft.com/office/powerpoint/2010/main" val="2722739917"/>
-      </p:ext>
-    </p:extLst>
-  </p:cSld>
-  <p:clrMapOvr>
-    <a:masterClrMapping/>
-  </p:clrMapOvr>
-  <mc:AlternateContent xmlns:mc="http://schemas.openxmlformats.org/markup-compatibility/2006" xmlns:p14="http://schemas.microsoft.com/office/powerpoint/2010/main">
-    <mc:Choice Requires="p14">
-      <p:transition spd="med" p14:dur="700">
-        <p:fade/>
-      </p:transition>
-    </mc:Choice>
-    <mc:Fallback xmlns="">
-      <p:transition spd="med">
-        <p:fade/>
-      </p:transition>
-    </mc:Fallback>
-  </mc:AlternateContent>
-  <p:timing>
-    <p:tnLst>
-      <p:par>
-        <p:cTn id="1" dur="indefinite" restart="never" nodeType="tmRoot">
-          <p:childTnLst>
-            <p:seq concurrent="1" nextAc="seek">
-              <p:cTn id="2" dur="indefinite" nodeType="mainSeq">
-                <p:childTnLst>
-                  <p:par>
-                    <p:cTn id="3" fill="hold">
-                      <p:stCondLst>
-                        <p:cond delay="indefinite"/>
-                        <p:cond evt="onBegin" delay="0">
-                          <p:tn val="2"/>
-                        </p:cond>
-                      </p:stCondLst>
-                      <p:childTnLst>
-                        <p:par>
-                          <p:cTn id="4" fill="hold">
-                            <p:stCondLst>
-                              <p:cond delay="0"/>
-                            </p:stCondLst>
-                            <p:childTnLst>
-                              <p:par>
-                                <p:cTn id="5" presetID="22" presetClass="entr" presetSubtype="8" fill="hold" grpId="0" nodeType="afterEffect">
-                                  <p:stCondLst>
-                                    <p:cond delay="0"/>
-                                  </p:stCondLst>
-                                  <p:childTnLst>
-                                    <p:set>
-                                      <p:cBhvr>
-                                        <p:cTn id="6" dur="1" fill="hold">
-                                          <p:stCondLst>
-                                            <p:cond delay="0"/>
-                                          </p:stCondLst>
-                                        </p:cTn>
-                                        <p:tgtEl>
-                                          <p:spTgt spid="4">
-                                            <p:txEl>
-                                              <p:pRg st="0" end="0"/>
-                                            </p:txEl>
-                                          </p:spTgt>
-                                        </p:tgtEl>
-                                        <p:attrNameLst>
-                                          <p:attrName>style.visibility</p:attrName>
-                                        </p:attrNameLst>
-                                      </p:cBhvr>
-                                      <p:to>
-                                        <p:strVal val="visible"/>
-                                      </p:to>
-                                    </p:set>
-                                    <p:animEffect transition="in" filter="wipe(left)">
-                                      <p:cBhvr>
-                                        <p:cTn id="7" dur="500"/>
-                                        <p:tgtEl>
-                                          <p:spTgt spid="4">
-                                            <p:txEl>
-                                              <p:pRg st="0" end="0"/>
-                                            </p:txEl>
-                                          </p:spTgt>
-                                        </p:tgtEl>
-                                      </p:cBhvr>
-                                    </p:animEffect>
-                                  </p:childTnLst>
-                                </p:cTn>
-                              </p:par>
-                            </p:childTnLst>
-                          </p:cTn>
-                        </p:par>
-                      </p:childTnLst>
-                    </p:cTn>
-                  </p:par>
-                  <p:par>
-                    <p:cTn id="8" fill="hold">
-                      <p:stCondLst>
-                        <p:cond delay="indefinite"/>
-                      </p:stCondLst>
-                      <p:childTnLst>
-                        <p:par>
-                          <p:cTn id="9" fill="hold">
-                            <p:stCondLst>
-                              <p:cond delay="0"/>
-                            </p:stCondLst>
-                            <p:childTnLst>
-                              <p:par>
-                                <p:cTn id="10" presetID="22" presetClass="entr" presetSubtype="8" fill="hold" grpId="0" nodeType="clickEffect">
-                                  <p:stCondLst>
-                                    <p:cond delay="0"/>
-                                  </p:stCondLst>
-                                  <p:childTnLst>
-                                    <p:set>
-                                      <p:cBhvr>
-                                        <p:cTn id="11" dur="1" fill="hold">
-                                          <p:stCondLst>
-                                            <p:cond delay="0"/>
-                                          </p:stCondLst>
-                                        </p:cTn>
-                                        <p:tgtEl>
-                                          <p:spTgt spid="4">
-                                            <p:txEl>
-                                              <p:pRg st="1" end="1"/>
-                                            </p:txEl>
-                                          </p:spTgt>
-                                        </p:tgtEl>
-                                        <p:attrNameLst>
-                                          <p:attrName>style.visibility</p:attrName>
-                                        </p:attrNameLst>
-                                      </p:cBhvr>
-                                      <p:to>
-                                        <p:strVal val="visible"/>
-                                      </p:to>
-                                    </p:set>
-                                    <p:animEffect transition="in" filter="wipe(left)">
-                                      <p:cBhvr>
-                                        <p:cTn id="12" dur="500"/>
-                                        <p:tgtEl>
-                                          <p:spTgt spid="4">
-                                            <p:txEl>
-                                              <p:pRg st="1" end="1"/>
-                                            </p:txEl>
-                                          </p:spTgt>
-                                        </p:tgtEl>
-                                      </p:cBhvr>
-                                    </p:animEffect>
-                                  </p:childTnLst>
-                                </p:cTn>
-                              </p:par>
-                            </p:childTnLst>
-                          </p:cTn>
-                        </p:par>
-                      </p:childTnLst>
-                    </p:cTn>
-                  </p:par>
-                  <p:par>
-                    <p:cTn id="13" fill="hold">
-                      <p:stCondLst>
-                        <p:cond delay="indefinite"/>
-                      </p:stCondLst>
-                      <p:childTnLst>
-                        <p:par>
-                          <p:cTn id="14" fill="hold">
-                            <p:stCondLst>
-                              <p:cond delay="0"/>
-                            </p:stCondLst>
-                            <p:childTnLst>
-                              <p:par>
-                                <p:cTn id="15" presetID="22" presetClass="entr" presetSubtype="8" fill="hold" grpId="0" nodeType="clickEffect">
-                                  <p:stCondLst>
-                                    <p:cond delay="0"/>
-                                  </p:stCondLst>
-                                  <p:childTnLst>
-                                    <p:set>
-                                      <p:cBhvr>
-                                        <p:cTn id="16" dur="1" fill="hold">
-                                          <p:stCondLst>
-                                            <p:cond delay="0"/>
-                                          </p:stCondLst>
-                                        </p:cTn>
-                                        <p:tgtEl>
-                                          <p:spTgt spid="4">
-                                            <p:txEl>
-                                              <p:pRg st="2" end="2"/>
-                                            </p:txEl>
-                                          </p:spTgt>
-                                        </p:tgtEl>
-                                        <p:attrNameLst>
-                                          <p:attrName>style.visibility</p:attrName>
-                                        </p:attrNameLst>
-                                      </p:cBhvr>
-                                      <p:to>
-                                        <p:strVal val="visible"/>
-                                      </p:to>
-                                    </p:set>
-                                    <p:animEffect transition="in" filter="wipe(left)">
-                                      <p:cBhvr>
-                                        <p:cTn id="17" dur="500"/>
-                                        <p:tgtEl>
-                                          <p:spTgt spid="4">
-                                            <p:txEl>
-                                              <p:pRg st="2" end="2"/>
-                                            </p:txEl>
-                                          </p:spTgt>
-                                        </p:tgtEl>
-                                      </p:cBhvr>
-                                    </p:animEffect>
-                                  </p:childTnLst>
-                                </p:cTn>
-                              </p:par>
-                            </p:childTnLst>
-                          </p:cTn>
-                        </p:par>
-                      </p:childTnLst>
-                    </p:cTn>
-                  </p:par>
-                  <p:par>
-                    <p:cTn id="18" fill="hold">
-                      <p:stCondLst>
-                        <p:cond delay="indefinite"/>
-                      </p:stCondLst>
-                      <p:childTnLst>
-                        <p:par>
-                          <p:cTn id="19" fill="hold">
-                            <p:stCondLst>
-                              <p:cond delay="0"/>
-                            </p:stCondLst>
-                            <p:childTnLst>
-                              <p:par>
-                                <p:cTn id="20" presetID="22" presetClass="entr" presetSubtype="8" fill="hold" grpId="0" nodeType="clickEffect">
-                                  <p:stCondLst>
-                                    <p:cond delay="0"/>
-                                  </p:stCondLst>
-                                  <p:childTnLst>
-                                    <p:set>
-                                      <p:cBhvr>
-                                        <p:cTn id="21" dur="1" fill="hold">
-                                          <p:stCondLst>
-                                            <p:cond delay="0"/>
-                                          </p:stCondLst>
-                                        </p:cTn>
-                                        <p:tgtEl>
-                                          <p:spTgt spid="4">
-                                            <p:txEl>
-                                              <p:pRg st="3" end="3"/>
-                                            </p:txEl>
-                                          </p:spTgt>
-                                        </p:tgtEl>
-                                        <p:attrNameLst>
-                                          <p:attrName>style.visibility</p:attrName>
-                                        </p:attrNameLst>
-                                      </p:cBhvr>
-                                      <p:to>
-                                        <p:strVal val="visible"/>
-                                      </p:to>
-                                    </p:set>
-                                    <p:animEffect transition="in" filter="wipe(left)">
-                                      <p:cBhvr>
-                                        <p:cTn id="22" dur="500"/>
-                                        <p:tgtEl>
-                                          <p:spTgt spid="4">
-                                            <p:txEl>
-                                              <p:pRg st="3" end="3"/>
-                                            </p:txEl>
-                                          </p:spTgt>
-                                        </p:tgtEl>
-                                      </p:cBhvr>
-                                    </p:animEffect>
-                                  </p:childTnLst>
-                                </p:cTn>
-                              </p:par>
-                            </p:childTnLst>
-                          </p:cTn>
-                        </p:par>
-                      </p:childTnLst>
-                    </p:cTn>
-                  </p:par>
-                  <p:par>
-                    <p:cTn id="23" fill="hold">
-                      <p:stCondLst>
-                        <p:cond delay="indefinite"/>
-                      </p:stCondLst>
-                      <p:childTnLst>
-                        <p:par>
-                          <p:cTn id="24" fill="hold">
-                            <p:stCondLst>
-                              <p:cond delay="0"/>
-                            </p:stCondLst>
-                            <p:childTnLst>
-                              <p:par>
-                                <p:cTn id="25" presetID="22" presetClass="entr" presetSubtype="8" fill="hold" grpId="0" nodeType="clickEffect">
-                                  <p:stCondLst>
-                                    <p:cond delay="0"/>
-                                  </p:stCondLst>
-                                  <p:childTnLst>
-                                    <p:set>
-                                      <p:cBhvr>
-                                        <p:cTn id="26" dur="1" fill="hold">
-                                          <p:stCondLst>
-                                            <p:cond delay="0"/>
-                                          </p:stCondLst>
-                                        </p:cTn>
-                                        <p:tgtEl>
-                                          <p:spTgt spid="4">
-                                            <p:txEl>
-                                              <p:pRg st="4" end="4"/>
-                                            </p:txEl>
-                                          </p:spTgt>
-                                        </p:tgtEl>
-                                        <p:attrNameLst>
-                                          <p:attrName>style.visibility</p:attrName>
-                                        </p:attrNameLst>
-                                      </p:cBhvr>
-                                      <p:to>
-                                        <p:strVal val="visible"/>
-                                      </p:to>
-                                    </p:set>
-                                    <p:animEffect transition="in" filter="wipe(left)">
-                                      <p:cBhvr>
-                                        <p:cTn id="27" dur="500"/>
-                                        <p:tgtEl>
-                                          <p:spTgt spid="4">
-                                            <p:txEl>
-                                              <p:pRg st="4" end="4"/>
-                                            </p:txEl>
-                                          </p:spTgt>
-                                        </p:tgtEl>
-                                      </p:cBhvr>
-                                    </p:animEffect>
-                                  </p:childTnLst>
-                                </p:cTn>
-                              </p:par>
-                            </p:childTnLst>
-                          </p:cTn>
-                        </p:par>
-                      </p:childTnLst>
-                    </p:cTn>
-                  </p:par>
-                  <p:par>
-                    <p:cTn id="28" fill="hold">
-                      <p:stCondLst>
-                        <p:cond delay="indefinite"/>
-                      </p:stCondLst>
-                      <p:childTnLst>
-                        <p:par>
-                          <p:cTn id="29" fill="hold">
-                            <p:stCondLst>
-                              <p:cond delay="0"/>
-                            </p:stCondLst>
-                            <p:childTnLst>
-                              <p:par>
-                                <p:cTn id="30" presetID="22" presetClass="entr" presetSubtype="8" fill="hold" grpId="0" nodeType="clickEffect">
-                                  <p:stCondLst>
-                                    <p:cond delay="0"/>
-                                  </p:stCondLst>
-                                  <p:childTnLst>
-                                    <p:set>
-                                      <p:cBhvr>
-                                        <p:cTn id="31" dur="1" fill="hold">
-                                          <p:stCondLst>
-                                            <p:cond delay="0"/>
-                                          </p:stCondLst>
-                                        </p:cTn>
-                                        <p:tgtEl>
-                                          <p:spTgt spid="4">
-                                            <p:txEl>
-                                              <p:pRg st="5" end="5"/>
-                                            </p:txEl>
-                                          </p:spTgt>
-                                        </p:tgtEl>
-                                        <p:attrNameLst>
-                                          <p:attrName>style.visibility</p:attrName>
-                                        </p:attrNameLst>
-                                      </p:cBhvr>
-                                      <p:to>
-                                        <p:strVal val="visible"/>
-                                      </p:to>
-                                    </p:set>
-                                    <p:animEffect transition="in" filter="wipe(left)">
-                                      <p:cBhvr>
-                                        <p:cTn id="32" dur="500"/>
-                                        <p:tgtEl>
-                                          <p:spTgt spid="4">
-                                            <p:txEl>
-                                              <p:pRg st="5" end="5"/>
-                                            </p:txEl>
-                                          </p:spTgt>
-                                        </p:tgtEl>
-                                      </p:cBhvr>
-                                    </p:animEffect>
-                                  </p:childTnLst>
-                                </p:cTn>
-                              </p:par>
-                            </p:childTnLst>
-                          </p:cTn>
-                        </p:par>
-                      </p:childTnLst>
-                    </p:cTn>
-                  </p:par>
-                  <p:par>
-                    <p:cTn id="33" fill="hold">
-                      <p:stCondLst>
-                        <p:cond delay="indefinite"/>
-                      </p:stCondLst>
-                      <p:childTnLst>
-                        <p:par>
-                          <p:cTn id="34" fill="hold">
-                            <p:stCondLst>
-                              <p:cond delay="0"/>
-                            </p:stCondLst>
-                            <p:childTnLst>
-                              <p:par>
-                                <p:cTn id="35" presetID="22" presetClass="entr" presetSubtype="8" fill="hold" grpId="0" nodeType="clickEffect">
-                                  <p:stCondLst>
-                                    <p:cond delay="0"/>
-                                  </p:stCondLst>
-                                  <p:childTnLst>
-                                    <p:set>
-                                      <p:cBhvr>
-                                        <p:cTn id="36" dur="1" fill="hold">
-                                          <p:stCondLst>
-                                            <p:cond delay="0"/>
-                                          </p:stCondLst>
-                                        </p:cTn>
-                                        <p:tgtEl>
-                                          <p:spTgt spid="4">
-                                            <p:txEl>
-                                              <p:pRg st="6" end="6"/>
-                                            </p:txEl>
-                                          </p:spTgt>
-                                        </p:tgtEl>
-                                        <p:attrNameLst>
-                                          <p:attrName>style.visibility</p:attrName>
-                                        </p:attrNameLst>
-                                      </p:cBhvr>
-                                      <p:to>
-                                        <p:strVal val="visible"/>
-                                      </p:to>
-                                    </p:set>
-                                    <p:animEffect transition="in" filter="wipe(left)">
-                                      <p:cBhvr>
-                                        <p:cTn id="37" dur="500"/>
-                                        <p:tgtEl>
-                                          <p:spTgt spid="4">
-                                            <p:txEl>
-                                              <p:pRg st="6" end="6"/>
-                                            </p:txEl>
-                                          </p:spTgt>
-                                        </p:tgtEl>
-                                      </p:cBhvr>
-                                    </p:animEffect>
-                                  </p:childTnLst>
-                                </p:cTn>
-                              </p:par>
-                              <p:par>
-                                <p:cTn id="38" presetID="22" presetClass="entr" presetSubtype="8" fill="hold" grpId="0" nodeType="withEffect">
-                                  <p:stCondLst>
-                                    <p:cond delay="0"/>
-                                  </p:stCondLst>
-                                  <p:childTnLst>
-                                    <p:set>
-                                      <p:cBhvr>
-                                        <p:cTn id="39" dur="1" fill="hold">
-                                          <p:stCondLst>
-                                            <p:cond delay="0"/>
-                                          </p:stCondLst>
-                                        </p:cTn>
-                                        <p:tgtEl>
-                                          <p:spTgt spid="4">
-                                            <p:txEl>
-                                              <p:pRg st="7" end="7"/>
-                                            </p:txEl>
-                                          </p:spTgt>
-                                        </p:tgtEl>
-                                        <p:attrNameLst>
-                                          <p:attrName>style.visibility</p:attrName>
-                                        </p:attrNameLst>
-                                      </p:cBhvr>
-                                      <p:to>
-                                        <p:strVal val="visible"/>
-                                      </p:to>
-                                    </p:set>
-                                    <p:animEffect transition="in" filter="wipe(left)">
-                                      <p:cBhvr>
-                                        <p:cTn id="40" dur="500"/>
-                                        <p:tgtEl>
-                                          <p:spTgt spid="4">
-                                            <p:txEl>
-                                              <p:pRg st="7" end="7"/>
-                                            </p:txEl>
-                                          </p:spTgt>
-                                        </p:tgtEl>
-                                      </p:cBhvr>
-                                    </p:animEffect>
-                                  </p:childTnLst>
-                                </p:cTn>
-                              </p:par>
-                            </p:childTnLst>
-                          </p:cTn>
-                        </p:par>
-                      </p:childTnLst>
-                    </p:cTn>
-                  </p:par>
-                  <p:par>
-                    <p:cTn id="41" fill="hold">
-                      <p:stCondLst>
-                        <p:cond delay="indefinite"/>
-                      </p:stCondLst>
-                      <p:childTnLst>
-                        <p:par>
-                          <p:cTn id="42" fill="hold">
-                            <p:stCondLst>
-                              <p:cond delay="0"/>
-                            </p:stCondLst>
-                            <p:childTnLst>
-                              <p:par>
-                                <p:cTn id="43" presetID="22" presetClass="entr" presetSubtype="8" fill="hold" grpId="0" nodeType="clickEffect">
-                                  <p:stCondLst>
-                                    <p:cond delay="0"/>
-                                  </p:stCondLst>
-                                  <p:childTnLst>
-                                    <p:set>
-                                      <p:cBhvr>
-                                        <p:cTn id="44" dur="1" fill="hold">
-                                          <p:stCondLst>
-                                            <p:cond delay="0"/>
-                                          </p:stCondLst>
-                                        </p:cTn>
-                                        <p:tgtEl>
-                                          <p:spTgt spid="3">
-                                            <p:txEl>
-                                              <p:pRg st="0" end="0"/>
-                                            </p:txEl>
-                                          </p:spTgt>
-                                        </p:tgtEl>
-                                        <p:attrNameLst>
-                                          <p:attrName>style.visibility</p:attrName>
-                                        </p:attrNameLst>
-                                      </p:cBhvr>
-                                      <p:to>
-                                        <p:strVal val="visible"/>
-                                      </p:to>
-                                    </p:set>
-                                    <p:animEffect transition="in" filter="wipe(left)">
-                                      <p:cBhvr>
-                                        <p:cTn id="45" dur="500"/>
-                                        <p:tgtEl>
-                                          <p:spTgt spid="3">
-                                            <p:txEl>
-                                              <p:pRg st="0" end="0"/>
-                                            </p:txEl>
-                                          </p:spTgt>
-                                        </p:tgtEl>
-                                      </p:cBhvr>
-                                    </p:animEffect>
-                                  </p:childTnLst>
-                                </p:cTn>
-                              </p:par>
-                            </p:childTnLst>
-                          </p:cTn>
-                        </p:par>
-                      </p:childTnLst>
-                    </p:cTn>
-                  </p:par>
-                </p:childTnLst>
-              </p:cTn>
-              <p:prevCondLst>
-                <p:cond evt="onPrev" delay="0">
-                  <p:tgtEl>
-                    <p:sldTgt/>
-                  </p:tgtEl>
-                </p:cond>
-              </p:prevCondLst>
-              <p:nextCondLst>
-                <p:cond evt="onNext" delay="0">
-                  <p:tgtEl>
-                    <p:sldTgt/>
-                  </p:tgtEl>
-                </p:cond>
-              </p:nextCondLst>
-            </p:seq>
-          </p:childTnLst>
-        </p:cTn>
-      </p:par>
-    </p:tnLst>
-    <p:bldLst>
-      <p:bldP spid="4" grpId="0" uiExpand="1" build="p" bldLvl="2"/>
-      <p:bldP spid="3" grpId="0" build="p"/>
-    </p:bldLst>
-  </p:timing>
-</p:sld>
-</file>
-
-<file path=ppt/slides/slide13.xml><?xml version="1.0" encoding="utf-8"?>
 <p:sld xmlns:a="http://schemas.openxmlformats.org/drawingml/2006/main" xmlns:r="http://schemas.openxmlformats.org/officeDocument/2006/relationships" xmlns:p="http://schemas.openxmlformats.org/presentationml/2006/main">
   <p:cSld>
     <p:spTree>
@@ -9378,7 +7721,7 @@
 </p:sld>
 </file>
 
-<file path=ppt/slides/slide14.xml><?xml version="1.0" encoding="utf-8"?>
+<file path=ppt/slides/slide11.xml><?xml version="1.0" encoding="utf-8"?>
 <p:sld xmlns:a="http://schemas.openxmlformats.org/drawingml/2006/main" xmlns:r="http://schemas.openxmlformats.org/officeDocument/2006/relationships" xmlns:p="http://schemas.openxmlformats.org/presentationml/2006/main">
   <p:cSld>
     <p:spTree>
@@ -9530,462 +7873,6 @@
 </file>
 
 <file path=ppt/slides/slide2.xml><?xml version="1.0" encoding="utf-8"?>
-<p:sld xmlns:a="http://schemas.openxmlformats.org/drawingml/2006/main" xmlns:r="http://schemas.openxmlformats.org/officeDocument/2006/relationships" xmlns:p="http://schemas.openxmlformats.org/presentationml/2006/main">
-  <p:cSld>
-    <p:spTree>
-      <p:nvGrpSpPr>
-        <p:cNvPr id="1" name=""/>
-        <p:cNvGrpSpPr/>
-        <p:nvPr/>
-      </p:nvGrpSpPr>
-      <p:grpSpPr>
-        <a:xfrm>
-          <a:off x="0" y="0"/>
-          <a:ext cx="0" cy="0"/>
-          <a:chOff x="0" y="0"/>
-          <a:chExt cx="0" cy="0"/>
-        </a:xfrm>
-      </p:grpSpPr>
-      <p:sp>
-        <p:nvSpPr>
-          <p:cNvPr id="4" name="Title 3">
-            <a:extLst>
-              <a:ext uri="{FF2B5EF4-FFF2-40B4-BE49-F238E27FC236}">
-                <a16:creationId xmlns:a16="http://schemas.microsoft.com/office/drawing/2014/main" id="{28FA2B9C-78E8-42A3-AADB-ABBA619BD8F4}"/>
-              </a:ext>
-            </a:extLst>
-          </p:cNvPr>
-          <p:cNvSpPr>
-            <a:spLocks noGrp="1"/>
-          </p:cNvSpPr>
-          <p:nvPr>
-            <p:ph type="title"/>
-          </p:nvPr>
-        </p:nvSpPr>
-        <p:spPr/>
-        <p:txBody>
-          <a:bodyPr/>
-          <a:lstStyle/>
-          <a:p>
-            <a:endParaRPr lang="en-US" dirty="0"/>
-          </a:p>
-        </p:txBody>
-      </p:sp>
-      <p:sp>
-        <p:nvSpPr>
-          <p:cNvPr id="3" name="Content Placeholder 2"/>
-          <p:cNvSpPr>
-            <a:spLocks noGrp="1"/>
-          </p:cNvSpPr>
-          <p:nvPr>
-            <p:ph sz="half" idx="1"/>
-          </p:nvPr>
-        </p:nvSpPr>
-        <p:spPr/>
-        <p:txBody>
-          <a:bodyPr>
-            <a:normAutofit/>
-          </a:bodyPr>
-          <a:lstStyle/>
-          <a:p>
-            <a:pPr lvl="0"/>
-            <a:r>
-              <a:rPr lang="en-US" sz="2400" dirty="0"/>
-              <a:t> </a:t>
-            </a:r>
-          </a:p>
-          <a:p>
-            <a:pPr lvl="0"/>
-            <a:r>
-              <a:rPr lang="en-US" sz="2400" dirty="0"/>
-              <a:t> </a:t>
-            </a:r>
-          </a:p>
-          <a:p>
-            <a:pPr marL="0" indent="0">
-              <a:buNone/>
-            </a:pPr>
-            <a:endParaRPr lang="en-US" sz="2400" b="1" dirty="0"/>
-          </a:p>
-        </p:txBody>
-      </p:sp>
-      <p:sp>
-        <p:nvSpPr>
-          <p:cNvPr id="7" name="Content Placeholder 6">
-            <a:extLst>
-              <a:ext uri="{FF2B5EF4-FFF2-40B4-BE49-F238E27FC236}">
-                <a16:creationId xmlns:a16="http://schemas.microsoft.com/office/drawing/2014/main" id="{2D3BC574-61BB-453C-86E4-A2F672D7F157}"/>
-              </a:ext>
-            </a:extLst>
-          </p:cNvPr>
-          <p:cNvSpPr>
-            <a:spLocks noGrp="1"/>
-          </p:cNvSpPr>
-          <p:nvPr>
-            <p:ph sz="half" idx="2"/>
-          </p:nvPr>
-        </p:nvSpPr>
-        <p:spPr/>
-        <p:txBody>
-          <a:bodyPr/>
-          <a:lstStyle/>
-          <a:p>
-            <a:endParaRPr lang="en-US" dirty="0"/>
-          </a:p>
-        </p:txBody>
-      </p:sp>
-      <p:sp>
-        <p:nvSpPr>
-          <p:cNvPr id="5" name="Right Arrow 19">
-            <a:extLst>
-              <a:ext uri="{FF2B5EF4-FFF2-40B4-BE49-F238E27FC236}">
-                <a16:creationId xmlns:a16="http://schemas.microsoft.com/office/drawing/2014/main" id="{5E3FE908-9308-454D-A158-970B89515FBC}"/>
-              </a:ext>
-            </a:extLst>
-          </p:cNvPr>
-          <p:cNvSpPr/>
-          <p:nvPr/>
-        </p:nvSpPr>
-        <p:spPr>
-          <a:xfrm rot="11492714">
-            <a:off x="2948606" y="4832604"/>
-            <a:ext cx="2328287" cy="950679"/>
-          </a:xfrm>
-          <a:prstGeom prst="rightArrow">
-            <a:avLst/>
-          </a:prstGeom>
-          <a:solidFill>
-            <a:srgbClr val="FFFF00"/>
-          </a:solidFill>
-        </p:spPr>
-        <p:style>
-          <a:lnRef idx="2">
-            <a:schemeClr val="accent1">
-              <a:shade val="50000"/>
-            </a:schemeClr>
-          </a:lnRef>
-          <a:fillRef idx="1">
-            <a:schemeClr val="accent1"/>
-          </a:fillRef>
-          <a:effectRef idx="0">
-            <a:schemeClr val="accent1"/>
-          </a:effectRef>
-          <a:fontRef idx="minor">
-            <a:schemeClr val="lt1"/>
-          </a:fontRef>
-        </p:style>
-        <p:txBody>
-          <a:bodyPr rot="0" spcFirstLastPara="0" vert="horz" wrap="square" lIns="91440" tIns="45720" rIns="91440" bIns="45720" numCol="1" spcCol="0" rtlCol="0" fromWordArt="0" anchor="ctr" anchorCtr="0" forceAA="0" compatLnSpc="1">
-            <a:prstTxWarp prst="textNoShape">
-              <a:avLst/>
-            </a:prstTxWarp>
-            <a:noAutofit/>
-          </a:bodyPr>
-          <a:lstStyle/>
-          <a:p>
-            <a:endParaRPr lang="en-US"/>
-          </a:p>
-        </p:txBody>
-      </p:sp>
-      <p:sp>
-        <p:nvSpPr>
-          <p:cNvPr id="8" name="Right Arrow 19">
-            <a:extLst>
-              <a:ext uri="{FF2B5EF4-FFF2-40B4-BE49-F238E27FC236}">
-                <a16:creationId xmlns:a16="http://schemas.microsoft.com/office/drawing/2014/main" id="{8B7B39D5-786E-4575-A901-652EAD0DFC46}"/>
-              </a:ext>
-            </a:extLst>
-          </p:cNvPr>
-          <p:cNvSpPr/>
-          <p:nvPr/>
-        </p:nvSpPr>
-        <p:spPr>
-          <a:xfrm rot="10400772">
-            <a:off x="6331215" y="4924293"/>
-            <a:ext cx="2328287" cy="950679"/>
-          </a:xfrm>
-          <a:prstGeom prst="rightArrow">
-            <a:avLst/>
-          </a:prstGeom>
-          <a:solidFill>
-            <a:srgbClr val="FFFF00"/>
-          </a:solidFill>
-        </p:spPr>
-        <p:style>
-          <a:lnRef idx="2">
-            <a:schemeClr val="accent1">
-              <a:shade val="50000"/>
-            </a:schemeClr>
-          </a:lnRef>
-          <a:fillRef idx="1">
-            <a:schemeClr val="accent1"/>
-          </a:fillRef>
-          <a:effectRef idx="0">
-            <a:schemeClr val="accent1"/>
-          </a:effectRef>
-          <a:fontRef idx="minor">
-            <a:schemeClr val="lt1"/>
-          </a:fontRef>
-        </p:style>
-        <p:txBody>
-          <a:bodyPr rot="0" spcFirstLastPara="0" vert="horz" wrap="square" lIns="91440" tIns="45720" rIns="91440" bIns="45720" numCol="1" spcCol="0" rtlCol="0" fromWordArt="0" anchor="ctr" anchorCtr="0" forceAA="0" compatLnSpc="1">
-            <a:prstTxWarp prst="textNoShape">
-              <a:avLst/>
-            </a:prstTxWarp>
-            <a:noAutofit/>
-          </a:bodyPr>
-          <a:lstStyle/>
-          <a:p>
-            <a:endParaRPr lang="en-US"/>
-          </a:p>
-        </p:txBody>
-      </p:sp>
-    </p:spTree>
-    <p:extLst>
-      <p:ext uri="{BB962C8B-B14F-4D97-AF65-F5344CB8AC3E}">
-        <p14:creationId xmlns:p14="http://schemas.microsoft.com/office/powerpoint/2010/main" val="3304573807"/>
-      </p:ext>
-    </p:extLst>
-  </p:cSld>
-  <p:clrMapOvr>
-    <a:masterClrMapping/>
-  </p:clrMapOvr>
-  <mc:AlternateContent xmlns:mc="http://schemas.openxmlformats.org/markup-compatibility/2006" xmlns:p14="http://schemas.microsoft.com/office/powerpoint/2010/main">
-    <mc:Choice Requires="p14">
-      <p:transition spd="med" p14:dur="700">
-        <p:fade/>
-      </p:transition>
-    </mc:Choice>
-    <mc:Fallback xmlns="">
-      <p:transition spd="med">
-        <p:fade/>
-      </p:transition>
-    </mc:Fallback>
-  </mc:AlternateContent>
-</p:sld>
-</file>
-
-<file path=ppt/slides/slide3.xml><?xml version="1.0" encoding="utf-8"?>
-<p:sld xmlns:a="http://schemas.openxmlformats.org/drawingml/2006/main" xmlns:r="http://schemas.openxmlformats.org/officeDocument/2006/relationships" xmlns:p="http://schemas.openxmlformats.org/presentationml/2006/main">
-  <p:cSld>
-    <p:spTree>
-      <p:nvGrpSpPr>
-        <p:cNvPr id="1" name=""/>
-        <p:cNvGrpSpPr/>
-        <p:nvPr/>
-      </p:nvGrpSpPr>
-      <p:grpSpPr>
-        <a:xfrm>
-          <a:off x="0" y="0"/>
-          <a:ext cx="0" cy="0"/>
-          <a:chOff x="0" y="0"/>
-          <a:chExt cx="0" cy="0"/>
-        </a:xfrm>
-      </p:grpSpPr>
-      <p:sp>
-        <p:nvSpPr>
-          <p:cNvPr id="2" name="Title 1">
-            <a:extLst>
-              <a:ext uri="{FF2B5EF4-FFF2-40B4-BE49-F238E27FC236}">
-                <a16:creationId xmlns:a16="http://schemas.microsoft.com/office/drawing/2014/main" id="{E69CEC51-11DD-4DF8-8E15-B520839F654B}"/>
-              </a:ext>
-            </a:extLst>
-          </p:cNvPr>
-          <p:cNvSpPr>
-            <a:spLocks noGrp="1"/>
-          </p:cNvSpPr>
-          <p:nvPr>
-            <p:ph type="title"/>
-          </p:nvPr>
-        </p:nvSpPr>
-        <p:spPr>
-          <a:xfrm>
-            <a:off x="646111" y="452718"/>
-            <a:ext cx="9404723" cy="1400530"/>
-          </a:xfrm>
-        </p:spPr>
-        <p:txBody>
-          <a:bodyPr/>
-          <a:lstStyle/>
-          <a:p>
-            <a:endParaRPr lang="en-US" dirty="0"/>
-          </a:p>
-        </p:txBody>
-      </p:sp>
-      <p:sp>
-        <p:nvSpPr>
-          <p:cNvPr id="3" name="Content Placeholder 2"/>
-          <p:cNvSpPr>
-            <a:spLocks noGrp="1"/>
-          </p:cNvSpPr>
-          <p:nvPr>
-            <p:ph idx="1"/>
-          </p:nvPr>
-        </p:nvSpPr>
-        <p:spPr>
-          <a:xfrm>
-            <a:off x="646110" y="1960555"/>
-            <a:ext cx="9404723" cy="4195481"/>
-          </a:xfrm>
-        </p:spPr>
-        <p:txBody>
-          <a:bodyPr>
-            <a:normAutofit/>
-          </a:bodyPr>
-          <a:lstStyle/>
-          <a:p>
-            <a:pPr marL="0" lvl="0" indent="0">
-              <a:buNone/>
-            </a:pPr>
-            <a:r>
-              <a:rPr lang="en-US" sz="2400"/>
-              <a:t> </a:t>
-            </a:r>
-            <a:endParaRPr lang="en-US" sz="2400" dirty="0"/>
-          </a:p>
-          <a:p>
-            <a:pPr lvl="0"/>
-            <a:r>
-              <a:rPr lang="en-US" sz="2400" dirty="0"/>
-              <a:t> </a:t>
-            </a:r>
-          </a:p>
-          <a:p>
-            <a:pPr marL="0" indent="0">
-              <a:buNone/>
-            </a:pPr>
-            <a:endParaRPr lang="en-US" sz="2400" b="1" dirty="0"/>
-          </a:p>
-        </p:txBody>
-      </p:sp>
-    </p:spTree>
-    <p:extLst>
-      <p:ext uri="{BB962C8B-B14F-4D97-AF65-F5344CB8AC3E}">
-        <p14:creationId xmlns:p14="http://schemas.microsoft.com/office/powerpoint/2010/main" val="1897052706"/>
-      </p:ext>
-    </p:extLst>
-  </p:cSld>
-  <p:clrMapOvr>
-    <a:masterClrMapping/>
-  </p:clrMapOvr>
-  <mc:AlternateContent xmlns:mc="http://schemas.openxmlformats.org/markup-compatibility/2006" xmlns:p14="http://schemas.microsoft.com/office/powerpoint/2010/main">
-    <mc:Choice Requires="p14">
-      <p:transition spd="med" p14:dur="700">
-        <p:fade/>
-      </p:transition>
-    </mc:Choice>
-    <mc:Fallback xmlns="">
-      <p:transition spd="med">
-        <p:fade/>
-      </p:transition>
-    </mc:Fallback>
-  </mc:AlternateContent>
-</p:sld>
-</file>
-
-<file path=ppt/slides/slide4.xml><?xml version="1.0" encoding="utf-8"?>
-<p:sld xmlns:a="http://schemas.openxmlformats.org/drawingml/2006/main" xmlns:r="http://schemas.openxmlformats.org/officeDocument/2006/relationships" xmlns:p="http://schemas.openxmlformats.org/presentationml/2006/main">
-  <p:cSld>
-    <p:spTree>
-      <p:nvGrpSpPr>
-        <p:cNvPr id="1" name=""/>
-        <p:cNvGrpSpPr/>
-        <p:nvPr/>
-      </p:nvGrpSpPr>
-      <p:grpSpPr>
-        <a:xfrm>
-          <a:off x="0" y="0"/>
-          <a:ext cx="0" cy="0"/>
-          <a:chOff x="0" y="0"/>
-          <a:chExt cx="0" cy="0"/>
-        </a:xfrm>
-      </p:grpSpPr>
-      <p:sp>
-        <p:nvSpPr>
-          <p:cNvPr id="10" name="Title 1">
-            <a:extLst>
-              <a:ext uri="{FF2B5EF4-FFF2-40B4-BE49-F238E27FC236}">
-                <a16:creationId xmlns:a16="http://schemas.microsoft.com/office/drawing/2014/main" id="{724833D1-3934-41C6-8727-BA0F41C3FBDD}"/>
-              </a:ext>
-            </a:extLst>
-          </p:cNvPr>
-          <p:cNvSpPr>
-            <a:spLocks noGrp="1"/>
-          </p:cNvSpPr>
-          <p:nvPr>
-            <p:ph type="ctrTitle"/>
-          </p:nvPr>
-        </p:nvSpPr>
-        <p:spPr/>
-        <p:txBody>
-          <a:bodyPr>
-            <a:normAutofit/>
-          </a:bodyPr>
-          <a:lstStyle/>
-          <a:p>
-            <a:r>
-              <a:rPr lang="en-US" dirty="0"/>
-              <a:t>Publishing a Project</a:t>
-            </a:r>
-          </a:p>
-        </p:txBody>
-      </p:sp>
-      <p:sp>
-        <p:nvSpPr>
-          <p:cNvPr id="11" name="Subtitle 2">
-            <a:extLst>
-              <a:ext uri="{FF2B5EF4-FFF2-40B4-BE49-F238E27FC236}">
-                <a16:creationId xmlns:a16="http://schemas.microsoft.com/office/drawing/2014/main" id="{F1ECA749-EB96-4C39-8F2A-5E5F3BCF38B3}"/>
-              </a:ext>
-            </a:extLst>
-          </p:cNvPr>
-          <p:cNvSpPr>
-            <a:spLocks noGrp="1"/>
-          </p:cNvSpPr>
-          <p:nvPr>
-            <p:ph type="subTitle" idx="1"/>
-          </p:nvPr>
-        </p:nvSpPr>
-        <p:spPr/>
-        <p:txBody>
-          <a:bodyPr>
-            <a:normAutofit/>
-          </a:bodyPr>
-          <a:lstStyle/>
-          <a:p>
-            <a:r>
-              <a:rPr lang="en-US" sz="3600" dirty="0"/>
-              <a:t>BTT Writer for the Desktop</a:t>
-            </a:r>
-          </a:p>
-        </p:txBody>
-      </p:sp>
-    </p:spTree>
-    <p:extLst>
-      <p:ext uri="{BB962C8B-B14F-4D97-AF65-F5344CB8AC3E}">
-        <p14:creationId xmlns:p14="http://schemas.microsoft.com/office/powerpoint/2010/main" val="1903575450"/>
-      </p:ext>
-    </p:extLst>
-  </p:cSld>
-  <p:clrMapOvr>
-    <a:masterClrMapping/>
-  </p:clrMapOvr>
-  <mc:AlternateContent xmlns:mc="http://schemas.openxmlformats.org/markup-compatibility/2006" xmlns:p14="http://schemas.microsoft.com/office/powerpoint/2010/main">
-    <mc:Choice Requires="p14">
-      <p:transition spd="med" p14:dur="700">
-        <p:fade/>
-      </p:transition>
-    </mc:Choice>
-    <mc:Fallback xmlns="">
-      <p:transition spd="med">
-        <p:fade/>
-      </p:transition>
-    </mc:Fallback>
-  </mc:AlternateContent>
-</p:sld>
-</file>
-
-<file path=ppt/slides/slide5.xml><?xml version="1.0" encoding="utf-8"?>
 <p:sld xmlns:a="http://schemas.openxmlformats.org/drawingml/2006/main" xmlns:r="http://schemas.openxmlformats.org/officeDocument/2006/relationships" xmlns:p="http://schemas.openxmlformats.org/presentationml/2006/main">
   <p:cSld>
     <p:spTree>
@@ -10434,7 +8321,7 @@
 </p:sld>
 </file>
 
-<file path=ppt/slides/slide6.xml><?xml version="1.0" encoding="utf-8"?>
+<file path=ppt/slides/slide3.xml><?xml version="1.0" encoding="utf-8"?>
 <p:sld xmlns:a="http://schemas.openxmlformats.org/drawingml/2006/main" xmlns:r="http://schemas.openxmlformats.org/officeDocument/2006/relationships" xmlns:p="http://schemas.openxmlformats.org/presentationml/2006/main">
   <p:cSld>
     <p:spTree>
@@ -10558,7 +8445,7 @@
 </p:sld>
 </file>
 
-<file path=ppt/slides/slide7.xml><?xml version="1.0" encoding="utf-8"?>
+<file path=ppt/slides/slide4.xml><?xml version="1.0" encoding="utf-8"?>
 <p:sld xmlns:a="http://schemas.openxmlformats.org/drawingml/2006/main" xmlns:r="http://schemas.openxmlformats.org/officeDocument/2006/relationships" xmlns:p="http://schemas.openxmlformats.org/presentationml/2006/main">
   <p:cSld>
     <p:spTree>
@@ -10827,7 +8714,7 @@
 </p:sld>
 </file>
 
-<file path=ppt/slides/slide8.xml><?xml version="1.0" encoding="utf-8"?>
+<file path=ppt/slides/slide5.xml><?xml version="1.0" encoding="utf-8"?>
 <p:sld xmlns:a="http://schemas.openxmlformats.org/drawingml/2006/main" xmlns:r="http://schemas.openxmlformats.org/officeDocument/2006/relationships" xmlns:p="http://schemas.openxmlformats.org/presentationml/2006/main">
   <p:cSld>
     <p:spTree>
@@ -11631,7 +9518,7 @@
 </p:sld>
 </file>
 
-<file path=ppt/slides/slide9.xml><?xml version="1.0" encoding="utf-8"?>
+<file path=ppt/slides/slide6.xml><?xml version="1.0" encoding="utf-8"?>
 <p:sld xmlns:a="http://schemas.openxmlformats.org/drawingml/2006/main" xmlns:r="http://schemas.openxmlformats.org/officeDocument/2006/relationships" xmlns:p="http://schemas.openxmlformats.org/presentationml/2006/main">
   <p:cSld>
     <p:spTree>
@@ -11867,6 +9754,1657 @@
       </p:transition>
     </mc:Fallback>
   </mc:AlternateContent>
+</p:sld>
+</file>
+
+<file path=ppt/slides/slide7.xml><?xml version="1.0" encoding="utf-8"?>
+<p:sld xmlns:a="http://schemas.openxmlformats.org/drawingml/2006/main" xmlns:r="http://schemas.openxmlformats.org/officeDocument/2006/relationships" xmlns:p="http://schemas.openxmlformats.org/presentationml/2006/main">
+  <p:cSld>
+    <p:spTree>
+      <p:nvGrpSpPr>
+        <p:cNvPr id="1" name=""/>
+        <p:cNvGrpSpPr/>
+        <p:nvPr/>
+      </p:nvGrpSpPr>
+      <p:grpSpPr>
+        <a:xfrm>
+          <a:off x="0" y="0"/>
+          <a:ext cx="0" cy="0"/>
+          <a:chOff x="0" y="0"/>
+          <a:chExt cx="0" cy="0"/>
+        </a:xfrm>
+      </p:grpSpPr>
+      <p:sp>
+        <p:nvSpPr>
+          <p:cNvPr id="7" name="Content Placeholder 6">
+            <a:extLst>
+              <a:ext uri="{FF2B5EF4-FFF2-40B4-BE49-F238E27FC236}">
+                <a16:creationId xmlns:a16="http://schemas.microsoft.com/office/drawing/2014/main" id="{FF2C9114-7CF4-45FA-9177-03D91D154623}"/>
+              </a:ext>
+            </a:extLst>
+          </p:cNvPr>
+          <p:cNvSpPr>
+            <a:spLocks noGrp="1"/>
+          </p:cNvSpPr>
+          <p:nvPr>
+            <p:ph idx="1"/>
+          </p:nvPr>
+        </p:nvSpPr>
+        <p:spPr/>
+        <p:txBody>
+          <a:bodyPr/>
+          <a:lstStyle/>
+          <a:p>
+            <a:r>
+              <a:rPr lang="en-US" sz="2800" dirty="0"/>
+              <a:t>Publishing is a way to make your work available to others.</a:t>
+            </a:r>
+          </a:p>
+          <a:p>
+            <a:r>
+              <a:rPr lang="en-US" sz="2800" dirty="0"/>
+              <a:t>Two types:</a:t>
+            </a:r>
+          </a:p>
+          <a:p>
+            <a:pPr lvl="1"/>
+            <a:r>
+              <a:rPr lang="en-US" sz="2400" dirty="0"/>
+              <a:t>Self-publishing</a:t>
+            </a:r>
+          </a:p>
+          <a:p>
+            <a:pPr lvl="1"/>
+            <a:r>
+              <a:rPr lang="en-US" sz="2400" dirty="0"/>
+              <a:t>Source text publishing (only for Gateway Languages)</a:t>
+            </a:r>
+          </a:p>
+        </p:txBody>
+      </p:sp>
+      <p:sp>
+        <p:nvSpPr>
+          <p:cNvPr id="2" name="Rectangle: Rounded Corners 1">
+            <a:extLst>
+              <a:ext uri="{FF2B5EF4-FFF2-40B4-BE49-F238E27FC236}">
+                <a16:creationId xmlns:a16="http://schemas.microsoft.com/office/drawing/2014/main" id="{C13169EA-876E-496A-97F9-4D1BD889A93D}"/>
+              </a:ext>
+            </a:extLst>
+          </p:cNvPr>
+          <p:cNvSpPr/>
+          <p:nvPr/>
+        </p:nvSpPr>
+        <p:spPr>
+          <a:xfrm>
+            <a:off x="1858787" y="4009697"/>
+            <a:ext cx="7884303" cy="624114"/>
+          </a:xfrm>
+          <a:prstGeom prst="roundRect">
+            <a:avLst/>
+          </a:prstGeom>
+          <a:gradFill>
+            <a:gsLst>
+              <a:gs pos="0">
+                <a:schemeClr val="accent1">
+                  <a:tint val="64000"/>
+                  <a:lumMod val="118000"/>
+                  <a:alpha val="0"/>
+                </a:schemeClr>
+              </a:gs>
+              <a:gs pos="100000">
+                <a:schemeClr val="accent1">
+                  <a:tint val="92000"/>
+                  <a:alpha val="100000"/>
+                  <a:lumMod val="110000"/>
+                </a:schemeClr>
+              </a:gs>
+            </a:gsLst>
+          </a:gradFill>
+        </p:spPr>
+        <p:style>
+          <a:lnRef idx="1">
+            <a:schemeClr val="accent1"/>
+          </a:lnRef>
+          <a:fillRef idx="2">
+            <a:schemeClr val="accent1"/>
+          </a:fillRef>
+          <a:effectRef idx="1">
+            <a:schemeClr val="accent1"/>
+          </a:effectRef>
+          <a:fontRef idx="minor">
+            <a:schemeClr val="dk1"/>
+          </a:fontRef>
+        </p:style>
+        <p:txBody>
+          <a:bodyPr rtlCol="0" anchor="ctr"/>
+          <a:lstStyle/>
+          <a:p>
+            <a:pPr algn="ctr"/>
+            <a:endParaRPr lang="en-US"/>
+          </a:p>
+        </p:txBody>
+      </p:sp>
+      <p:sp>
+        <p:nvSpPr>
+          <p:cNvPr id="5" name="Title 4">
+            <a:extLst>
+              <a:ext uri="{FF2B5EF4-FFF2-40B4-BE49-F238E27FC236}">
+                <a16:creationId xmlns:a16="http://schemas.microsoft.com/office/drawing/2014/main" id="{0CE6B759-241F-4E8A-9E7A-D01393BD68F3}"/>
+              </a:ext>
+            </a:extLst>
+          </p:cNvPr>
+          <p:cNvSpPr>
+            <a:spLocks noGrp="1"/>
+          </p:cNvSpPr>
+          <p:nvPr>
+            <p:ph type="title"/>
+          </p:nvPr>
+        </p:nvSpPr>
+        <p:spPr/>
+        <p:txBody>
+          <a:bodyPr/>
+          <a:lstStyle/>
+          <a:p>
+            <a:r>
+              <a:rPr lang="en-US" dirty="0"/>
+              <a:t>What Is Publishing?</a:t>
+            </a:r>
+          </a:p>
+        </p:txBody>
+      </p:sp>
+    </p:spTree>
+    <p:extLst>
+      <p:ext uri="{BB962C8B-B14F-4D97-AF65-F5344CB8AC3E}">
+        <p14:creationId xmlns:p14="http://schemas.microsoft.com/office/powerpoint/2010/main" val="2543372400"/>
+      </p:ext>
+    </p:extLst>
+  </p:cSld>
+  <p:clrMapOvr>
+    <a:masterClrMapping/>
+  </p:clrMapOvr>
+  <mc:AlternateContent xmlns:mc="http://schemas.openxmlformats.org/markup-compatibility/2006" xmlns:p14="http://schemas.microsoft.com/office/powerpoint/2010/main">
+    <mc:Choice Requires="p14">
+      <p:transition spd="med" p14:dur="700">
+        <p:fade/>
+      </p:transition>
+    </mc:Choice>
+    <mc:Fallback xmlns="">
+      <p:transition spd="med">
+        <p:fade/>
+      </p:transition>
+    </mc:Fallback>
+  </mc:AlternateContent>
+  <p:timing>
+    <p:tnLst>
+      <p:par>
+        <p:cTn id="1" dur="indefinite" restart="never" nodeType="tmRoot">
+          <p:childTnLst>
+            <p:seq concurrent="1" nextAc="seek">
+              <p:cTn id="2" dur="indefinite" nodeType="mainSeq">
+                <p:childTnLst>
+                  <p:par>
+                    <p:cTn id="3" fill="hold">
+                      <p:stCondLst>
+                        <p:cond delay="indefinite"/>
+                        <p:cond evt="onBegin" delay="0">
+                          <p:tn val="2"/>
+                        </p:cond>
+                      </p:stCondLst>
+                      <p:childTnLst>
+                        <p:par>
+                          <p:cTn id="4" fill="hold">
+                            <p:stCondLst>
+                              <p:cond delay="0"/>
+                            </p:stCondLst>
+                            <p:childTnLst>
+                              <p:par>
+                                <p:cTn id="5" presetID="22" presetClass="entr" presetSubtype="8" fill="hold" grpId="0" nodeType="afterEffect">
+                                  <p:stCondLst>
+                                    <p:cond delay="0"/>
+                                  </p:stCondLst>
+                                  <p:childTnLst>
+                                    <p:set>
+                                      <p:cBhvr>
+                                        <p:cTn id="6" dur="1" fill="hold">
+                                          <p:stCondLst>
+                                            <p:cond delay="0"/>
+                                          </p:stCondLst>
+                                        </p:cTn>
+                                        <p:tgtEl>
+                                          <p:spTgt spid="2"/>
+                                        </p:tgtEl>
+                                        <p:attrNameLst>
+                                          <p:attrName>style.visibility</p:attrName>
+                                        </p:attrNameLst>
+                                      </p:cBhvr>
+                                      <p:to>
+                                        <p:strVal val="visible"/>
+                                      </p:to>
+                                    </p:set>
+                                    <p:animEffect transition="in" filter="wipe(left)">
+                                      <p:cBhvr>
+                                        <p:cTn id="7" dur="2000"/>
+                                        <p:tgtEl>
+                                          <p:spTgt spid="2"/>
+                                        </p:tgtEl>
+                                      </p:cBhvr>
+                                    </p:animEffect>
+                                  </p:childTnLst>
+                                </p:cTn>
+                              </p:par>
+                            </p:childTnLst>
+                          </p:cTn>
+                        </p:par>
+                      </p:childTnLst>
+                    </p:cTn>
+                  </p:par>
+                </p:childTnLst>
+              </p:cTn>
+              <p:prevCondLst>
+                <p:cond evt="onPrev" delay="0">
+                  <p:tgtEl>
+                    <p:sldTgt/>
+                  </p:tgtEl>
+                </p:cond>
+              </p:prevCondLst>
+              <p:nextCondLst>
+                <p:cond evt="onNext" delay="0">
+                  <p:tgtEl>
+                    <p:sldTgt/>
+                  </p:tgtEl>
+                </p:cond>
+              </p:nextCondLst>
+            </p:seq>
+          </p:childTnLst>
+        </p:cTn>
+      </p:par>
+    </p:tnLst>
+    <p:bldLst>
+      <p:bldP spid="2" grpId="0" animBg="1"/>
+    </p:bldLst>
+  </p:timing>
+</p:sld>
+</file>
+
+<file path=ppt/slides/slide8.xml><?xml version="1.0" encoding="utf-8"?>
+<p:sld xmlns:a="http://schemas.openxmlformats.org/drawingml/2006/main" xmlns:r="http://schemas.openxmlformats.org/officeDocument/2006/relationships" xmlns:p="http://schemas.openxmlformats.org/presentationml/2006/main">
+  <p:cSld>
+    <p:spTree>
+      <p:nvGrpSpPr>
+        <p:cNvPr id="1" name=""/>
+        <p:cNvGrpSpPr/>
+        <p:nvPr/>
+      </p:nvGrpSpPr>
+      <p:grpSpPr>
+        <a:xfrm>
+          <a:off x="0" y="0"/>
+          <a:ext cx="0" cy="0"/>
+          <a:chOff x="0" y="0"/>
+          <a:chExt cx="0" cy="0"/>
+        </a:xfrm>
+      </p:grpSpPr>
+      <p:sp>
+        <p:nvSpPr>
+          <p:cNvPr id="4" name="Content Placeholder 2">
+            <a:extLst>
+              <a:ext uri="{FF2B5EF4-FFF2-40B4-BE49-F238E27FC236}">
+                <a16:creationId xmlns:a16="http://schemas.microsoft.com/office/drawing/2014/main" id="{0DBA7DF5-D4DF-4624-8497-77378CBC0767}"/>
+              </a:ext>
+            </a:extLst>
+          </p:cNvPr>
+          <p:cNvSpPr txBox="1">
+            <a:spLocks/>
+          </p:cNvSpPr>
+          <p:nvPr/>
+        </p:nvSpPr>
+        <p:spPr>
+          <a:xfrm>
+            <a:off x="1484310" y="1423447"/>
+            <a:ext cx="10018713" cy="4367753"/>
+          </a:xfrm>
+          <a:prstGeom prst="rect">
+            <a:avLst/>
+          </a:prstGeom>
+        </p:spPr>
+        <p:txBody>
+          <a:bodyPr vert="horz" lIns="91440" tIns="45720" rIns="91440" bIns="45720" rtlCol="0" anchor="t" anchorCtr="0">
+            <a:noAutofit/>
+          </a:bodyPr>
+          <a:lstStyle>
+            <a:lvl1pPr marL="285750" indent="-285750" algn="l" defTabSz="457200" rtl="0" eaLnBrk="1" latinLnBrk="0" hangingPunct="1">
+              <a:spcBef>
+                <a:spcPct val="20000"/>
+              </a:spcBef>
+              <a:spcAft>
+                <a:spcPts val="600"/>
+              </a:spcAft>
+              <a:buClr>
+                <a:schemeClr val="accent1">
+                  <a:lumMod val="75000"/>
+                </a:schemeClr>
+              </a:buClr>
+              <a:buSzPct val="145000"/>
+              <a:buFont typeface="Arial"/>
+              <a:buChar char="•"/>
+              <a:defRPr sz="2400" kern="1200" cap="none">
+                <a:solidFill>
+                  <a:schemeClr val="tx1"/>
+                </a:solidFill>
+                <a:effectLst/>
+                <a:latin typeface="+mn-lt"/>
+                <a:ea typeface="+mn-ea"/>
+                <a:cs typeface="+mn-cs"/>
+              </a:defRPr>
+            </a:lvl1pPr>
+            <a:lvl2pPr marL="742950" indent="-285750" algn="l" defTabSz="457200" rtl="0" eaLnBrk="1" latinLnBrk="0" hangingPunct="1">
+              <a:spcBef>
+                <a:spcPct val="20000"/>
+              </a:spcBef>
+              <a:spcAft>
+                <a:spcPts val="600"/>
+              </a:spcAft>
+              <a:buClr>
+                <a:schemeClr val="accent1">
+                  <a:lumMod val="75000"/>
+                </a:schemeClr>
+              </a:buClr>
+              <a:buSzPct val="145000"/>
+              <a:buFont typeface="Arial"/>
+              <a:buChar char="•"/>
+              <a:defRPr sz="2000" kern="1200" cap="none">
+                <a:solidFill>
+                  <a:schemeClr val="tx1"/>
+                </a:solidFill>
+                <a:effectLst/>
+                <a:latin typeface="+mn-lt"/>
+                <a:ea typeface="+mn-ea"/>
+                <a:cs typeface="+mn-cs"/>
+              </a:defRPr>
+            </a:lvl2pPr>
+            <a:lvl3pPr marL="1200150" indent="-285750" algn="l" defTabSz="457200" rtl="0" eaLnBrk="1" latinLnBrk="0" hangingPunct="1">
+              <a:spcBef>
+                <a:spcPct val="20000"/>
+              </a:spcBef>
+              <a:spcAft>
+                <a:spcPts val="600"/>
+              </a:spcAft>
+              <a:buClr>
+                <a:schemeClr val="accent1">
+                  <a:lumMod val="75000"/>
+                </a:schemeClr>
+              </a:buClr>
+              <a:buSzPct val="145000"/>
+              <a:buFont typeface="Arial"/>
+              <a:buChar char="•"/>
+              <a:defRPr sz="1800" kern="1200" cap="none">
+                <a:solidFill>
+                  <a:schemeClr val="tx1"/>
+                </a:solidFill>
+                <a:effectLst/>
+                <a:latin typeface="+mn-lt"/>
+                <a:ea typeface="+mn-ea"/>
+                <a:cs typeface="+mn-cs"/>
+              </a:defRPr>
+            </a:lvl3pPr>
+            <a:lvl4pPr marL="1543050" indent="-171450" algn="l" defTabSz="457200" rtl="0" eaLnBrk="1" latinLnBrk="0" hangingPunct="1">
+              <a:spcBef>
+                <a:spcPct val="20000"/>
+              </a:spcBef>
+              <a:spcAft>
+                <a:spcPts val="600"/>
+              </a:spcAft>
+              <a:buClr>
+                <a:schemeClr val="accent1">
+                  <a:lumMod val="75000"/>
+                </a:schemeClr>
+              </a:buClr>
+              <a:buSzPct val="145000"/>
+              <a:buFont typeface="Arial"/>
+              <a:buChar char="•"/>
+              <a:defRPr sz="1600" kern="1200" cap="none">
+                <a:solidFill>
+                  <a:schemeClr val="tx1"/>
+                </a:solidFill>
+                <a:effectLst/>
+                <a:latin typeface="+mn-lt"/>
+                <a:ea typeface="+mn-ea"/>
+                <a:cs typeface="+mn-cs"/>
+              </a:defRPr>
+            </a:lvl4pPr>
+            <a:lvl5pPr marL="2000250" indent="-171450" algn="l" defTabSz="457200" rtl="0" eaLnBrk="1" latinLnBrk="0" hangingPunct="1">
+              <a:spcBef>
+                <a:spcPct val="20000"/>
+              </a:spcBef>
+              <a:spcAft>
+                <a:spcPts val="600"/>
+              </a:spcAft>
+              <a:buClr>
+                <a:schemeClr val="accent1">
+                  <a:lumMod val="75000"/>
+                </a:schemeClr>
+              </a:buClr>
+              <a:buSzPct val="145000"/>
+              <a:buFont typeface="Arial"/>
+              <a:buChar char="•"/>
+              <a:defRPr sz="1400" kern="1200" cap="none">
+                <a:solidFill>
+                  <a:schemeClr val="tx1"/>
+                </a:solidFill>
+                <a:effectLst/>
+                <a:latin typeface="+mn-lt"/>
+                <a:ea typeface="+mn-ea"/>
+                <a:cs typeface="+mn-cs"/>
+              </a:defRPr>
+            </a:lvl5pPr>
+            <a:lvl6pPr marL="2514600" indent="-228600" algn="l" defTabSz="457200" rtl="0" eaLnBrk="1" latinLnBrk="0" hangingPunct="1">
+              <a:spcBef>
+                <a:spcPct val="20000"/>
+              </a:spcBef>
+              <a:spcAft>
+                <a:spcPts val="600"/>
+              </a:spcAft>
+              <a:buClr>
+                <a:schemeClr val="accent1">
+                  <a:lumMod val="75000"/>
+                </a:schemeClr>
+              </a:buClr>
+              <a:buSzPct val="145000"/>
+              <a:buFont typeface="Arial"/>
+              <a:buChar char="•"/>
+              <a:defRPr sz="1400" kern="1200" cap="none">
+                <a:solidFill>
+                  <a:schemeClr val="tx1"/>
+                </a:solidFill>
+                <a:effectLst/>
+                <a:latin typeface="+mn-lt"/>
+                <a:ea typeface="+mn-ea"/>
+                <a:cs typeface="+mn-cs"/>
+              </a:defRPr>
+            </a:lvl6pPr>
+            <a:lvl7pPr marL="2971800" indent="-228600" algn="l" defTabSz="457200" rtl="0" eaLnBrk="1" latinLnBrk="0" hangingPunct="1">
+              <a:spcBef>
+                <a:spcPct val="20000"/>
+              </a:spcBef>
+              <a:spcAft>
+                <a:spcPts val="600"/>
+              </a:spcAft>
+              <a:buClr>
+                <a:schemeClr val="accent1">
+                  <a:lumMod val="75000"/>
+                </a:schemeClr>
+              </a:buClr>
+              <a:buSzPct val="145000"/>
+              <a:buFont typeface="Arial"/>
+              <a:buChar char="•"/>
+              <a:defRPr sz="1400" kern="1200" cap="none">
+                <a:solidFill>
+                  <a:schemeClr val="tx1"/>
+                </a:solidFill>
+                <a:effectLst/>
+                <a:latin typeface="+mn-lt"/>
+                <a:ea typeface="+mn-ea"/>
+                <a:cs typeface="+mn-cs"/>
+              </a:defRPr>
+            </a:lvl7pPr>
+            <a:lvl8pPr marL="3429000" indent="-228600" algn="l" defTabSz="457200" rtl="0" eaLnBrk="1" latinLnBrk="0" hangingPunct="1">
+              <a:spcBef>
+                <a:spcPct val="20000"/>
+              </a:spcBef>
+              <a:spcAft>
+                <a:spcPts val="600"/>
+              </a:spcAft>
+              <a:buClr>
+                <a:schemeClr val="accent1">
+                  <a:lumMod val="75000"/>
+                </a:schemeClr>
+              </a:buClr>
+              <a:buSzPct val="145000"/>
+              <a:buFont typeface="Arial"/>
+              <a:buChar char="•"/>
+              <a:defRPr sz="1400" kern="1200" cap="none">
+                <a:solidFill>
+                  <a:schemeClr val="tx1"/>
+                </a:solidFill>
+                <a:effectLst/>
+                <a:latin typeface="+mn-lt"/>
+                <a:ea typeface="+mn-ea"/>
+                <a:cs typeface="+mn-cs"/>
+              </a:defRPr>
+            </a:lvl8pPr>
+            <a:lvl9pPr marL="3886200" indent="-228600" algn="l" defTabSz="457200" rtl="0" eaLnBrk="1" latinLnBrk="0" hangingPunct="1">
+              <a:spcBef>
+                <a:spcPct val="20000"/>
+              </a:spcBef>
+              <a:spcAft>
+                <a:spcPts val="600"/>
+              </a:spcAft>
+              <a:buClr>
+                <a:schemeClr val="accent1">
+                  <a:lumMod val="75000"/>
+                </a:schemeClr>
+              </a:buClr>
+              <a:buSzPct val="145000"/>
+              <a:buFont typeface="Arial"/>
+              <a:buChar char="•"/>
+              <a:defRPr sz="1400" kern="1200" cap="none">
+                <a:solidFill>
+                  <a:schemeClr val="tx1"/>
+                </a:solidFill>
+                <a:effectLst/>
+                <a:latin typeface="+mn-lt"/>
+                <a:ea typeface="+mn-ea"/>
+                <a:cs typeface="+mn-cs"/>
+              </a:defRPr>
+            </a:lvl9pPr>
+          </a:lstStyle>
+          <a:p>
+            <a:pPr marL="0" indent="0">
+              <a:buNone/>
+            </a:pPr>
+            <a:r>
+              <a:rPr lang="en-US" sz="2800" dirty="0"/>
+              <a:t>To publish the source text for a Gateway Language you must:</a:t>
+            </a:r>
+          </a:p>
+          <a:p>
+            <a:pPr marL="514350" indent="-514350">
+              <a:buFont typeface="+mj-lt"/>
+              <a:buAutoNum type="arabicPeriod"/>
+            </a:pPr>
+            <a:r>
+              <a:rPr lang="en-US" sz="2800" dirty="0"/>
+              <a:t>Meet the prerequisites</a:t>
+            </a:r>
+          </a:p>
+          <a:p>
+            <a:pPr marL="514350" indent="-514350">
+              <a:buFont typeface="+mj-lt"/>
+              <a:buAutoNum type="arabicPeriod"/>
+            </a:pPr>
+            <a:r>
+              <a:rPr lang="en-US" sz="2800" dirty="0"/>
+              <a:t>Submit Source Text Request Form</a:t>
+            </a:r>
+          </a:p>
+        </p:txBody>
+      </p:sp>
+      <p:sp>
+        <p:nvSpPr>
+          <p:cNvPr id="2" name="Title 1">
+            <a:extLst>
+              <a:ext uri="{FF2B5EF4-FFF2-40B4-BE49-F238E27FC236}">
+                <a16:creationId xmlns:a16="http://schemas.microsoft.com/office/drawing/2014/main" id="{C65C7369-CC71-4D0B-ACC8-3341E1EEDFAE}"/>
+              </a:ext>
+            </a:extLst>
+          </p:cNvPr>
+          <p:cNvSpPr>
+            <a:spLocks noGrp="1"/>
+          </p:cNvSpPr>
+          <p:nvPr>
+            <p:ph type="title"/>
+          </p:nvPr>
+        </p:nvSpPr>
+        <p:spPr/>
+        <p:txBody>
+          <a:bodyPr/>
+          <a:lstStyle/>
+          <a:p>
+            <a:r>
+              <a:rPr lang="en-US" dirty="0"/>
+              <a:t>How Do I Publish Source Text?</a:t>
+            </a:r>
+          </a:p>
+        </p:txBody>
+      </p:sp>
+    </p:spTree>
+    <p:extLst>
+      <p:ext uri="{BB962C8B-B14F-4D97-AF65-F5344CB8AC3E}">
+        <p14:creationId xmlns:p14="http://schemas.microsoft.com/office/powerpoint/2010/main" val="2678941381"/>
+      </p:ext>
+    </p:extLst>
+  </p:cSld>
+  <p:clrMapOvr>
+    <a:masterClrMapping/>
+  </p:clrMapOvr>
+  <mc:AlternateContent xmlns:mc="http://schemas.openxmlformats.org/markup-compatibility/2006" xmlns:p14="http://schemas.microsoft.com/office/powerpoint/2010/main">
+    <mc:Choice Requires="p14">
+      <p:transition spd="med" p14:dur="700">
+        <p:fade/>
+      </p:transition>
+    </mc:Choice>
+    <mc:Fallback xmlns="">
+      <p:transition spd="med">
+        <p:fade/>
+      </p:transition>
+    </mc:Fallback>
+  </mc:AlternateContent>
+</p:sld>
+</file>
+
+<file path=ppt/slides/slide9.xml><?xml version="1.0" encoding="utf-8"?>
+<p:sld xmlns:a="http://schemas.openxmlformats.org/drawingml/2006/main" xmlns:r="http://schemas.openxmlformats.org/officeDocument/2006/relationships" xmlns:p="http://schemas.openxmlformats.org/presentationml/2006/main">
+  <p:cSld>
+    <p:spTree>
+      <p:nvGrpSpPr>
+        <p:cNvPr id="1" name=""/>
+        <p:cNvGrpSpPr/>
+        <p:nvPr/>
+      </p:nvGrpSpPr>
+      <p:grpSpPr>
+        <a:xfrm>
+          <a:off x="0" y="0"/>
+          <a:ext cx="0" cy="0"/>
+          <a:chOff x="0" y="0"/>
+          <a:chExt cx="0" cy="0"/>
+        </a:xfrm>
+      </p:grpSpPr>
+      <p:sp>
+        <p:nvSpPr>
+          <p:cNvPr id="4" name="Content Placeholder 2">
+            <a:extLst>
+              <a:ext uri="{FF2B5EF4-FFF2-40B4-BE49-F238E27FC236}">
+                <a16:creationId xmlns:a16="http://schemas.microsoft.com/office/drawing/2014/main" id="{0DBA7DF5-D4DF-4624-8497-77378CBC0767}"/>
+              </a:ext>
+            </a:extLst>
+          </p:cNvPr>
+          <p:cNvSpPr txBox="1">
+            <a:spLocks/>
+          </p:cNvSpPr>
+          <p:nvPr/>
+        </p:nvSpPr>
+        <p:spPr>
+          <a:xfrm>
+            <a:off x="1261754" y="1207724"/>
+            <a:ext cx="10211821" cy="5513832"/>
+          </a:xfrm>
+          <a:prstGeom prst="rect">
+            <a:avLst/>
+          </a:prstGeom>
+        </p:spPr>
+        <p:txBody>
+          <a:bodyPr vert="horz" lIns="91440" tIns="45720" rIns="91440" bIns="45720" rtlCol="0" anchor="t" anchorCtr="0">
+            <a:noAutofit/>
+          </a:bodyPr>
+          <a:lstStyle>
+            <a:lvl1pPr marL="285750" indent="-285750" algn="l" defTabSz="457200" rtl="0" eaLnBrk="1" latinLnBrk="0" hangingPunct="1">
+              <a:spcBef>
+                <a:spcPct val="20000"/>
+              </a:spcBef>
+              <a:spcAft>
+                <a:spcPts val="600"/>
+              </a:spcAft>
+              <a:buClr>
+                <a:schemeClr val="accent1">
+                  <a:lumMod val="75000"/>
+                </a:schemeClr>
+              </a:buClr>
+              <a:buSzPct val="145000"/>
+              <a:buFont typeface="Arial"/>
+              <a:buChar char="•"/>
+              <a:defRPr sz="2400" kern="1200" cap="none">
+                <a:solidFill>
+                  <a:schemeClr val="tx1"/>
+                </a:solidFill>
+                <a:effectLst/>
+                <a:latin typeface="+mn-lt"/>
+                <a:ea typeface="+mn-ea"/>
+                <a:cs typeface="+mn-cs"/>
+              </a:defRPr>
+            </a:lvl1pPr>
+            <a:lvl2pPr marL="742950" indent="-285750" algn="l" defTabSz="457200" rtl="0" eaLnBrk="1" latinLnBrk="0" hangingPunct="1">
+              <a:spcBef>
+                <a:spcPct val="20000"/>
+              </a:spcBef>
+              <a:spcAft>
+                <a:spcPts val="600"/>
+              </a:spcAft>
+              <a:buClr>
+                <a:schemeClr val="accent1">
+                  <a:lumMod val="75000"/>
+                </a:schemeClr>
+              </a:buClr>
+              <a:buSzPct val="145000"/>
+              <a:buFont typeface="Arial"/>
+              <a:buChar char="•"/>
+              <a:defRPr sz="2000" kern="1200" cap="none">
+                <a:solidFill>
+                  <a:schemeClr val="tx1"/>
+                </a:solidFill>
+                <a:effectLst/>
+                <a:latin typeface="+mn-lt"/>
+                <a:ea typeface="+mn-ea"/>
+                <a:cs typeface="+mn-cs"/>
+              </a:defRPr>
+            </a:lvl2pPr>
+            <a:lvl3pPr marL="1200150" indent="-285750" algn="l" defTabSz="457200" rtl="0" eaLnBrk="1" latinLnBrk="0" hangingPunct="1">
+              <a:spcBef>
+                <a:spcPct val="20000"/>
+              </a:spcBef>
+              <a:spcAft>
+                <a:spcPts val="600"/>
+              </a:spcAft>
+              <a:buClr>
+                <a:schemeClr val="accent1">
+                  <a:lumMod val="75000"/>
+                </a:schemeClr>
+              </a:buClr>
+              <a:buSzPct val="145000"/>
+              <a:buFont typeface="Arial"/>
+              <a:buChar char="•"/>
+              <a:defRPr sz="1800" kern="1200" cap="none">
+                <a:solidFill>
+                  <a:schemeClr val="tx1"/>
+                </a:solidFill>
+                <a:effectLst/>
+                <a:latin typeface="+mn-lt"/>
+                <a:ea typeface="+mn-ea"/>
+                <a:cs typeface="+mn-cs"/>
+              </a:defRPr>
+            </a:lvl3pPr>
+            <a:lvl4pPr marL="1543050" indent="-171450" algn="l" defTabSz="457200" rtl="0" eaLnBrk="1" latinLnBrk="0" hangingPunct="1">
+              <a:spcBef>
+                <a:spcPct val="20000"/>
+              </a:spcBef>
+              <a:spcAft>
+                <a:spcPts val="600"/>
+              </a:spcAft>
+              <a:buClr>
+                <a:schemeClr val="accent1">
+                  <a:lumMod val="75000"/>
+                </a:schemeClr>
+              </a:buClr>
+              <a:buSzPct val="145000"/>
+              <a:buFont typeface="Arial"/>
+              <a:buChar char="•"/>
+              <a:defRPr sz="1600" kern="1200" cap="none">
+                <a:solidFill>
+                  <a:schemeClr val="tx1"/>
+                </a:solidFill>
+                <a:effectLst/>
+                <a:latin typeface="+mn-lt"/>
+                <a:ea typeface="+mn-ea"/>
+                <a:cs typeface="+mn-cs"/>
+              </a:defRPr>
+            </a:lvl4pPr>
+            <a:lvl5pPr marL="2000250" indent="-171450" algn="l" defTabSz="457200" rtl="0" eaLnBrk="1" latinLnBrk="0" hangingPunct="1">
+              <a:spcBef>
+                <a:spcPct val="20000"/>
+              </a:spcBef>
+              <a:spcAft>
+                <a:spcPts val="600"/>
+              </a:spcAft>
+              <a:buClr>
+                <a:schemeClr val="accent1">
+                  <a:lumMod val="75000"/>
+                </a:schemeClr>
+              </a:buClr>
+              <a:buSzPct val="145000"/>
+              <a:buFont typeface="Arial"/>
+              <a:buChar char="•"/>
+              <a:defRPr sz="1400" kern="1200" cap="none">
+                <a:solidFill>
+                  <a:schemeClr val="tx1"/>
+                </a:solidFill>
+                <a:effectLst/>
+                <a:latin typeface="+mn-lt"/>
+                <a:ea typeface="+mn-ea"/>
+                <a:cs typeface="+mn-cs"/>
+              </a:defRPr>
+            </a:lvl5pPr>
+            <a:lvl6pPr marL="2514600" indent="-228600" algn="l" defTabSz="457200" rtl="0" eaLnBrk="1" latinLnBrk="0" hangingPunct="1">
+              <a:spcBef>
+                <a:spcPct val="20000"/>
+              </a:spcBef>
+              <a:spcAft>
+                <a:spcPts val="600"/>
+              </a:spcAft>
+              <a:buClr>
+                <a:schemeClr val="accent1">
+                  <a:lumMod val="75000"/>
+                </a:schemeClr>
+              </a:buClr>
+              <a:buSzPct val="145000"/>
+              <a:buFont typeface="Arial"/>
+              <a:buChar char="•"/>
+              <a:defRPr sz="1400" kern="1200" cap="none">
+                <a:solidFill>
+                  <a:schemeClr val="tx1"/>
+                </a:solidFill>
+                <a:effectLst/>
+                <a:latin typeface="+mn-lt"/>
+                <a:ea typeface="+mn-ea"/>
+                <a:cs typeface="+mn-cs"/>
+              </a:defRPr>
+            </a:lvl6pPr>
+            <a:lvl7pPr marL="2971800" indent="-228600" algn="l" defTabSz="457200" rtl="0" eaLnBrk="1" latinLnBrk="0" hangingPunct="1">
+              <a:spcBef>
+                <a:spcPct val="20000"/>
+              </a:spcBef>
+              <a:spcAft>
+                <a:spcPts val="600"/>
+              </a:spcAft>
+              <a:buClr>
+                <a:schemeClr val="accent1">
+                  <a:lumMod val="75000"/>
+                </a:schemeClr>
+              </a:buClr>
+              <a:buSzPct val="145000"/>
+              <a:buFont typeface="Arial"/>
+              <a:buChar char="•"/>
+              <a:defRPr sz="1400" kern="1200" cap="none">
+                <a:solidFill>
+                  <a:schemeClr val="tx1"/>
+                </a:solidFill>
+                <a:effectLst/>
+                <a:latin typeface="+mn-lt"/>
+                <a:ea typeface="+mn-ea"/>
+                <a:cs typeface="+mn-cs"/>
+              </a:defRPr>
+            </a:lvl7pPr>
+            <a:lvl8pPr marL="3429000" indent="-228600" algn="l" defTabSz="457200" rtl="0" eaLnBrk="1" latinLnBrk="0" hangingPunct="1">
+              <a:spcBef>
+                <a:spcPct val="20000"/>
+              </a:spcBef>
+              <a:spcAft>
+                <a:spcPts val="600"/>
+              </a:spcAft>
+              <a:buClr>
+                <a:schemeClr val="accent1">
+                  <a:lumMod val="75000"/>
+                </a:schemeClr>
+              </a:buClr>
+              <a:buSzPct val="145000"/>
+              <a:buFont typeface="Arial"/>
+              <a:buChar char="•"/>
+              <a:defRPr sz="1400" kern="1200" cap="none">
+                <a:solidFill>
+                  <a:schemeClr val="tx1"/>
+                </a:solidFill>
+                <a:effectLst/>
+                <a:latin typeface="+mn-lt"/>
+                <a:ea typeface="+mn-ea"/>
+                <a:cs typeface="+mn-cs"/>
+              </a:defRPr>
+            </a:lvl8pPr>
+            <a:lvl9pPr marL="3886200" indent="-228600" algn="l" defTabSz="457200" rtl="0" eaLnBrk="1" latinLnBrk="0" hangingPunct="1">
+              <a:spcBef>
+                <a:spcPct val="20000"/>
+              </a:spcBef>
+              <a:spcAft>
+                <a:spcPts val="600"/>
+              </a:spcAft>
+              <a:buClr>
+                <a:schemeClr val="accent1">
+                  <a:lumMod val="75000"/>
+                </a:schemeClr>
+              </a:buClr>
+              <a:buSzPct val="145000"/>
+              <a:buFont typeface="Arial"/>
+              <a:buChar char="•"/>
+              <a:defRPr sz="1400" kern="1200" cap="none">
+                <a:solidFill>
+                  <a:schemeClr val="tx1"/>
+                </a:solidFill>
+                <a:effectLst/>
+                <a:latin typeface="+mn-lt"/>
+                <a:ea typeface="+mn-ea"/>
+                <a:cs typeface="+mn-cs"/>
+              </a:defRPr>
+            </a:lvl9pPr>
+          </a:lstStyle>
+          <a:p>
+            <a:pPr marL="0" indent="0">
+              <a:buNone/>
+            </a:pPr>
+            <a:r>
+              <a:rPr lang="en-US" sz="2600" dirty="0"/>
+              <a:t>The source text must meet all of the following:</a:t>
+            </a:r>
+          </a:p>
+          <a:p>
+            <a:r>
+              <a:rPr lang="en-US" sz="2600" dirty="0"/>
+              <a:t>Whole resource: Entire book or all of Open Bible Stories</a:t>
+            </a:r>
+          </a:p>
+          <a:p>
+            <a:r>
+              <a:rPr lang="en-US" sz="2600" dirty="0"/>
+              <a:t>Appropriate </a:t>
+            </a:r>
+            <a:r>
+              <a:rPr lang="en-US" sz="2600" dirty="0">
+                <a:hlinkClick r:id="rId2"/>
+              </a:rPr>
+              <a:t>checking level</a:t>
+            </a:r>
+            <a:r>
+              <a:rPr lang="en-US" sz="2600" dirty="0"/>
+              <a:t>: Level 3 for Bible translations</a:t>
+            </a:r>
+          </a:p>
+          <a:p>
+            <a:r>
+              <a:rPr lang="en-US" sz="2600" dirty="0"/>
+              <a:t>Uploaded to Door43: Merge content if done on multiple devices</a:t>
+            </a:r>
+          </a:p>
+          <a:p>
+            <a:r>
+              <a:rPr lang="en-US" sz="2600" dirty="0"/>
+              <a:t>All contributors listed by either name or pseudonym</a:t>
+            </a:r>
+          </a:p>
+          <a:p>
+            <a:r>
+              <a:rPr lang="en-US" sz="2600" dirty="0"/>
+              <a:t>Agreements: Document agreements by all contributors to License, Statement of Faith, and Translation Guidelines; </a:t>
+            </a:r>
+          </a:p>
+          <a:p>
+            <a:pPr marL="0" indent="0">
+              <a:spcAft>
+                <a:spcPts val="0"/>
+              </a:spcAft>
+              <a:buNone/>
+            </a:pPr>
+            <a:r>
+              <a:rPr lang="en-US" sz="2600" dirty="0"/>
+              <a:t>     </a:t>
+            </a:r>
+            <a:r>
+              <a:rPr lang="en-US" sz="2400" dirty="0"/>
+              <a:t>May be done by having them:</a:t>
+            </a:r>
+          </a:p>
+          <a:p>
+            <a:pPr marL="914400" lvl="2" indent="0">
+              <a:spcBef>
+                <a:spcPts val="0"/>
+              </a:spcBef>
+              <a:spcAft>
+                <a:spcPts val="0"/>
+              </a:spcAft>
+              <a:buNone/>
+            </a:pPr>
+            <a:r>
+              <a:rPr lang="en-US" sz="2400" dirty="0"/>
+              <a:t>Create Door43 accounts</a:t>
+            </a:r>
+            <a:endParaRPr lang="en-US" sz="2000" dirty="0"/>
+          </a:p>
+          <a:p>
+            <a:pPr lvl="1"/>
+            <a:endParaRPr lang="en-US" sz="2400" dirty="0"/>
+          </a:p>
+        </p:txBody>
+      </p:sp>
+      <p:sp>
+        <p:nvSpPr>
+          <p:cNvPr id="2" name="Title 1">
+            <a:extLst>
+              <a:ext uri="{FF2B5EF4-FFF2-40B4-BE49-F238E27FC236}">
+                <a16:creationId xmlns:a16="http://schemas.microsoft.com/office/drawing/2014/main" id="{C65C7369-CC71-4D0B-ACC8-3341E1EEDFAE}"/>
+              </a:ext>
+            </a:extLst>
+          </p:cNvPr>
+          <p:cNvSpPr>
+            <a:spLocks noGrp="1"/>
+          </p:cNvSpPr>
+          <p:nvPr>
+            <p:ph type="title"/>
+          </p:nvPr>
+        </p:nvSpPr>
+        <p:spPr/>
+        <p:txBody>
+          <a:bodyPr/>
+          <a:lstStyle/>
+          <a:p>
+            <a:r>
+              <a:rPr lang="en-US" sz="3600" dirty="0"/>
+              <a:t>Prerequisites for Publishing Source Text</a:t>
+            </a:r>
+          </a:p>
+        </p:txBody>
+      </p:sp>
+      <p:sp>
+        <p:nvSpPr>
+          <p:cNvPr id="3" name="TextBox 2">
+            <a:extLst>
+              <a:ext uri="{FF2B5EF4-FFF2-40B4-BE49-F238E27FC236}">
+                <a16:creationId xmlns:a16="http://schemas.microsoft.com/office/drawing/2014/main" id="{038928D7-3651-493C-A7B4-933980ECE60C}"/>
+              </a:ext>
+            </a:extLst>
+          </p:cNvPr>
+          <p:cNvSpPr txBox="1"/>
+          <p:nvPr/>
+        </p:nvSpPr>
+        <p:spPr>
+          <a:xfrm>
+            <a:off x="2238702" y="5726287"/>
+            <a:ext cx="8090411" cy="1200329"/>
+          </a:xfrm>
+          <a:prstGeom prst="rect">
+            <a:avLst/>
+          </a:prstGeom>
+          <a:noFill/>
+        </p:spPr>
+        <p:txBody>
+          <a:bodyPr wrap="square" rtlCol="0">
+            <a:spAutoFit/>
+          </a:bodyPr>
+          <a:lstStyle/>
+          <a:p>
+            <a:r>
+              <a:rPr lang="en-US" sz="2400" dirty="0"/>
+              <a:t>                                            OR  physically sign </a:t>
+            </a:r>
+            <a:r>
+              <a:rPr lang="en-US" sz="2400" dirty="0">
+                <a:hlinkClick r:id="rId3"/>
+              </a:rPr>
+              <a:t>documents</a:t>
+            </a:r>
+            <a:r>
+              <a:rPr lang="en-US" sz="2400" dirty="0"/>
+              <a:t> and digitize them (scan or photo)</a:t>
+            </a:r>
+          </a:p>
+          <a:p>
+            <a:endParaRPr lang="en-US" sz="2400" dirty="0"/>
+          </a:p>
+        </p:txBody>
+      </p:sp>
+    </p:spTree>
+    <p:extLst>
+      <p:ext uri="{BB962C8B-B14F-4D97-AF65-F5344CB8AC3E}">
+        <p14:creationId xmlns:p14="http://schemas.microsoft.com/office/powerpoint/2010/main" val="2722739917"/>
+      </p:ext>
+    </p:extLst>
+  </p:cSld>
+  <p:clrMapOvr>
+    <a:masterClrMapping/>
+  </p:clrMapOvr>
+  <mc:AlternateContent xmlns:mc="http://schemas.openxmlformats.org/markup-compatibility/2006" xmlns:p14="http://schemas.microsoft.com/office/powerpoint/2010/main">
+    <mc:Choice Requires="p14">
+      <p:transition spd="med" p14:dur="700">
+        <p:fade/>
+      </p:transition>
+    </mc:Choice>
+    <mc:Fallback xmlns="">
+      <p:transition spd="med">
+        <p:fade/>
+      </p:transition>
+    </mc:Fallback>
+  </mc:AlternateContent>
+  <p:timing>
+    <p:tnLst>
+      <p:par>
+        <p:cTn id="1" dur="indefinite" restart="never" nodeType="tmRoot">
+          <p:childTnLst>
+            <p:seq concurrent="1" nextAc="seek">
+              <p:cTn id="2" dur="indefinite" nodeType="mainSeq">
+                <p:childTnLst>
+                  <p:par>
+                    <p:cTn id="3" fill="hold">
+                      <p:stCondLst>
+                        <p:cond delay="indefinite"/>
+                        <p:cond evt="onBegin" delay="0">
+                          <p:tn val="2"/>
+                        </p:cond>
+                      </p:stCondLst>
+                      <p:childTnLst>
+                        <p:par>
+                          <p:cTn id="4" fill="hold">
+                            <p:stCondLst>
+                              <p:cond delay="0"/>
+                            </p:stCondLst>
+                            <p:childTnLst>
+                              <p:par>
+                                <p:cTn id="5" presetID="22" presetClass="entr" presetSubtype="8" fill="hold" grpId="0" nodeType="afterEffect">
+                                  <p:stCondLst>
+                                    <p:cond delay="0"/>
+                                  </p:stCondLst>
+                                  <p:childTnLst>
+                                    <p:set>
+                                      <p:cBhvr>
+                                        <p:cTn id="6" dur="1" fill="hold">
+                                          <p:stCondLst>
+                                            <p:cond delay="0"/>
+                                          </p:stCondLst>
+                                        </p:cTn>
+                                        <p:tgtEl>
+                                          <p:spTgt spid="4">
+                                            <p:txEl>
+                                              <p:pRg st="0" end="0"/>
+                                            </p:txEl>
+                                          </p:spTgt>
+                                        </p:tgtEl>
+                                        <p:attrNameLst>
+                                          <p:attrName>style.visibility</p:attrName>
+                                        </p:attrNameLst>
+                                      </p:cBhvr>
+                                      <p:to>
+                                        <p:strVal val="visible"/>
+                                      </p:to>
+                                    </p:set>
+                                    <p:animEffect transition="in" filter="wipe(left)">
+                                      <p:cBhvr>
+                                        <p:cTn id="7" dur="500"/>
+                                        <p:tgtEl>
+                                          <p:spTgt spid="4">
+                                            <p:txEl>
+                                              <p:pRg st="0" end="0"/>
+                                            </p:txEl>
+                                          </p:spTgt>
+                                        </p:tgtEl>
+                                      </p:cBhvr>
+                                    </p:animEffect>
+                                  </p:childTnLst>
+                                </p:cTn>
+                              </p:par>
+                            </p:childTnLst>
+                          </p:cTn>
+                        </p:par>
+                      </p:childTnLst>
+                    </p:cTn>
+                  </p:par>
+                  <p:par>
+                    <p:cTn id="8" fill="hold">
+                      <p:stCondLst>
+                        <p:cond delay="indefinite"/>
+                      </p:stCondLst>
+                      <p:childTnLst>
+                        <p:par>
+                          <p:cTn id="9" fill="hold">
+                            <p:stCondLst>
+                              <p:cond delay="0"/>
+                            </p:stCondLst>
+                            <p:childTnLst>
+                              <p:par>
+                                <p:cTn id="10" presetID="22" presetClass="entr" presetSubtype="8" fill="hold" grpId="0" nodeType="clickEffect">
+                                  <p:stCondLst>
+                                    <p:cond delay="0"/>
+                                  </p:stCondLst>
+                                  <p:childTnLst>
+                                    <p:set>
+                                      <p:cBhvr>
+                                        <p:cTn id="11" dur="1" fill="hold">
+                                          <p:stCondLst>
+                                            <p:cond delay="0"/>
+                                          </p:stCondLst>
+                                        </p:cTn>
+                                        <p:tgtEl>
+                                          <p:spTgt spid="4">
+                                            <p:txEl>
+                                              <p:pRg st="1" end="1"/>
+                                            </p:txEl>
+                                          </p:spTgt>
+                                        </p:tgtEl>
+                                        <p:attrNameLst>
+                                          <p:attrName>style.visibility</p:attrName>
+                                        </p:attrNameLst>
+                                      </p:cBhvr>
+                                      <p:to>
+                                        <p:strVal val="visible"/>
+                                      </p:to>
+                                    </p:set>
+                                    <p:animEffect transition="in" filter="wipe(left)">
+                                      <p:cBhvr>
+                                        <p:cTn id="12" dur="500"/>
+                                        <p:tgtEl>
+                                          <p:spTgt spid="4">
+                                            <p:txEl>
+                                              <p:pRg st="1" end="1"/>
+                                            </p:txEl>
+                                          </p:spTgt>
+                                        </p:tgtEl>
+                                      </p:cBhvr>
+                                    </p:animEffect>
+                                  </p:childTnLst>
+                                </p:cTn>
+                              </p:par>
+                            </p:childTnLst>
+                          </p:cTn>
+                        </p:par>
+                      </p:childTnLst>
+                    </p:cTn>
+                  </p:par>
+                  <p:par>
+                    <p:cTn id="13" fill="hold">
+                      <p:stCondLst>
+                        <p:cond delay="indefinite"/>
+                      </p:stCondLst>
+                      <p:childTnLst>
+                        <p:par>
+                          <p:cTn id="14" fill="hold">
+                            <p:stCondLst>
+                              <p:cond delay="0"/>
+                            </p:stCondLst>
+                            <p:childTnLst>
+                              <p:par>
+                                <p:cTn id="15" presetID="22" presetClass="entr" presetSubtype="8" fill="hold" grpId="0" nodeType="clickEffect">
+                                  <p:stCondLst>
+                                    <p:cond delay="0"/>
+                                  </p:stCondLst>
+                                  <p:childTnLst>
+                                    <p:set>
+                                      <p:cBhvr>
+                                        <p:cTn id="16" dur="1" fill="hold">
+                                          <p:stCondLst>
+                                            <p:cond delay="0"/>
+                                          </p:stCondLst>
+                                        </p:cTn>
+                                        <p:tgtEl>
+                                          <p:spTgt spid="4">
+                                            <p:txEl>
+                                              <p:pRg st="2" end="2"/>
+                                            </p:txEl>
+                                          </p:spTgt>
+                                        </p:tgtEl>
+                                        <p:attrNameLst>
+                                          <p:attrName>style.visibility</p:attrName>
+                                        </p:attrNameLst>
+                                      </p:cBhvr>
+                                      <p:to>
+                                        <p:strVal val="visible"/>
+                                      </p:to>
+                                    </p:set>
+                                    <p:animEffect transition="in" filter="wipe(left)">
+                                      <p:cBhvr>
+                                        <p:cTn id="17" dur="500"/>
+                                        <p:tgtEl>
+                                          <p:spTgt spid="4">
+                                            <p:txEl>
+                                              <p:pRg st="2" end="2"/>
+                                            </p:txEl>
+                                          </p:spTgt>
+                                        </p:tgtEl>
+                                      </p:cBhvr>
+                                    </p:animEffect>
+                                  </p:childTnLst>
+                                </p:cTn>
+                              </p:par>
+                            </p:childTnLst>
+                          </p:cTn>
+                        </p:par>
+                      </p:childTnLst>
+                    </p:cTn>
+                  </p:par>
+                  <p:par>
+                    <p:cTn id="18" fill="hold">
+                      <p:stCondLst>
+                        <p:cond delay="indefinite"/>
+                      </p:stCondLst>
+                      <p:childTnLst>
+                        <p:par>
+                          <p:cTn id="19" fill="hold">
+                            <p:stCondLst>
+                              <p:cond delay="0"/>
+                            </p:stCondLst>
+                            <p:childTnLst>
+                              <p:par>
+                                <p:cTn id="20" presetID="22" presetClass="entr" presetSubtype="8" fill="hold" grpId="0" nodeType="clickEffect">
+                                  <p:stCondLst>
+                                    <p:cond delay="0"/>
+                                  </p:stCondLst>
+                                  <p:childTnLst>
+                                    <p:set>
+                                      <p:cBhvr>
+                                        <p:cTn id="21" dur="1" fill="hold">
+                                          <p:stCondLst>
+                                            <p:cond delay="0"/>
+                                          </p:stCondLst>
+                                        </p:cTn>
+                                        <p:tgtEl>
+                                          <p:spTgt spid="4">
+                                            <p:txEl>
+                                              <p:pRg st="3" end="3"/>
+                                            </p:txEl>
+                                          </p:spTgt>
+                                        </p:tgtEl>
+                                        <p:attrNameLst>
+                                          <p:attrName>style.visibility</p:attrName>
+                                        </p:attrNameLst>
+                                      </p:cBhvr>
+                                      <p:to>
+                                        <p:strVal val="visible"/>
+                                      </p:to>
+                                    </p:set>
+                                    <p:animEffect transition="in" filter="wipe(left)">
+                                      <p:cBhvr>
+                                        <p:cTn id="22" dur="500"/>
+                                        <p:tgtEl>
+                                          <p:spTgt spid="4">
+                                            <p:txEl>
+                                              <p:pRg st="3" end="3"/>
+                                            </p:txEl>
+                                          </p:spTgt>
+                                        </p:tgtEl>
+                                      </p:cBhvr>
+                                    </p:animEffect>
+                                  </p:childTnLst>
+                                </p:cTn>
+                              </p:par>
+                            </p:childTnLst>
+                          </p:cTn>
+                        </p:par>
+                      </p:childTnLst>
+                    </p:cTn>
+                  </p:par>
+                  <p:par>
+                    <p:cTn id="23" fill="hold">
+                      <p:stCondLst>
+                        <p:cond delay="indefinite"/>
+                      </p:stCondLst>
+                      <p:childTnLst>
+                        <p:par>
+                          <p:cTn id="24" fill="hold">
+                            <p:stCondLst>
+                              <p:cond delay="0"/>
+                            </p:stCondLst>
+                            <p:childTnLst>
+                              <p:par>
+                                <p:cTn id="25" presetID="22" presetClass="entr" presetSubtype="8" fill="hold" grpId="0" nodeType="clickEffect">
+                                  <p:stCondLst>
+                                    <p:cond delay="0"/>
+                                  </p:stCondLst>
+                                  <p:childTnLst>
+                                    <p:set>
+                                      <p:cBhvr>
+                                        <p:cTn id="26" dur="1" fill="hold">
+                                          <p:stCondLst>
+                                            <p:cond delay="0"/>
+                                          </p:stCondLst>
+                                        </p:cTn>
+                                        <p:tgtEl>
+                                          <p:spTgt spid="4">
+                                            <p:txEl>
+                                              <p:pRg st="4" end="4"/>
+                                            </p:txEl>
+                                          </p:spTgt>
+                                        </p:tgtEl>
+                                        <p:attrNameLst>
+                                          <p:attrName>style.visibility</p:attrName>
+                                        </p:attrNameLst>
+                                      </p:cBhvr>
+                                      <p:to>
+                                        <p:strVal val="visible"/>
+                                      </p:to>
+                                    </p:set>
+                                    <p:animEffect transition="in" filter="wipe(left)">
+                                      <p:cBhvr>
+                                        <p:cTn id="27" dur="500"/>
+                                        <p:tgtEl>
+                                          <p:spTgt spid="4">
+                                            <p:txEl>
+                                              <p:pRg st="4" end="4"/>
+                                            </p:txEl>
+                                          </p:spTgt>
+                                        </p:tgtEl>
+                                      </p:cBhvr>
+                                    </p:animEffect>
+                                  </p:childTnLst>
+                                </p:cTn>
+                              </p:par>
+                            </p:childTnLst>
+                          </p:cTn>
+                        </p:par>
+                      </p:childTnLst>
+                    </p:cTn>
+                  </p:par>
+                  <p:par>
+                    <p:cTn id="28" fill="hold">
+                      <p:stCondLst>
+                        <p:cond delay="indefinite"/>
+                      </p:stCondLst>
+                      <p:childTnLst>
+                        <p:par>
+                          <p:cTn id="29" fill="hold">
+                            <p:stCondLst>
+                              <p:cond delay="0"/>
+                            </p:stCondLst>
+                            <p:childTnLst>
+                              <p:par>
+                                <p:cTn id="30" presetID="22" presetClass="entr" presetSubtype="8" fill="hold" grpId="0" nodeType="clickEffect">
+                                  <p:stCondLst>
+                                    <p:cond delay="0"/>
+                                  </p:stCondLst>
+                                  <p:childTnLst>
+                                    <p:set>
+                                      <p:cBhvr>
+                                        <p:cTn id="31" dur="1" fill="hold">
+                                          <p:stCondLst>
+                                            <p:cond delay="0"/>
+                                          </p:stCondLst>
+                                        </p:cTn>
+                                        <p:tgtEl>
+                                          <p:spTgt spid="4">
+                                            <p:txEl>
+                                              <p:pRg st="5" end="5"/>
+                                            </p:txEl>
+                                          </p:spTgt>
+                                        </p:tgtEl>
+                                        <p:attrNameLst>
+                                          <p:attrName>style.visibility</p:attrName>
+                                        </p:attrNameLst>
+                                      </p:cBhvr>
+                                      <p:to>
+                                        <p:strVal val="visible"/>
+                                      </p:to>
+                                    </p:set>
+                                    <p:animEffect transition="in" filter="wipe(left)">
+                                      <p:cBhvr>
+                                        <p:cTn id="32" dur="500"/>
+                                        <p:tgtEl>
+                                          <p:spTgt spid="4">
+                                            <p:txEl>
+                                              <p:pRg st="5" end="5"/>
+                                            </p:txEl>
+                                          </p:spTgt>
+                                        </p:tgtEl>
+                                      </p:cBhvr>
+                                    </p:animEffect>
+                                  </p:childTnLst>
+                                </p:cTn>
+                              </p:par>
+                            </p:childTnLst>
+                          </p:cTn>
+                        </p:par>
+                      </p:childTnLst>
+                    </p:cTn>
+                  </p:par>
+                  <p:par>
+                    <p:cTn id="33" fill="hold">
+                      <p:stCondLst>
+                        <p:cond delay="indefinite"/>
+                      </p:stCondLst>
+                      <p:childTnLst>
+                        <p:par>
+                          <p:cTn id="34" fill="hold">
+                            <p:stCondLst>
+                              <p:cond delay="0"/>
+                            </p:stCondLst>
+                            <p:childTnLst>
+                              <p:par>
+                                <p:cTn id="35" presetID="22" presetClass="entr" presetSubtype="8" fill="hold" grpId="0" nodeType="clickEffect">
+                                  <p:stCondLst>
+                                    <p:cond delay="0"/>
+                                  </p:stCondLst>
+                                  <p:childTnLst>
+                                    <p:set>
+                                      <p:cBhvr>
+                                        <p:cTn id="36" dur="1" fill="hold">
+                                          <p:stCondLst>
+                                            <p:cond delay="0"/>
+                                          </p:stCondLst>
+                                        </p:cTn>
+                                        <p:tgtEl>
+                                          <p:spTgt spid="4">
+                                            <p:txEl>
+                                              <p:pRg st="6" end="6"/>
+                                            </p:txEl>
+                                          </p:spTgt>
+                                        </p:tgtEl>
+                                        <p:attrNameLst>
+                                          <p:attrName>style.visibility</p:attrName>
+                                        </p:attrNameLst>
+                                      </p:cBhvr>
+                                      <p:to>
+                                        <p:strVal val="visible"/>
+                                      </p:to>
+                                    </p:set>
+                                    <p:animEffect transition="in" filter="wipe(left)">
+                                      <p:cBhvr>
+                                        <p:cTn id="37" dur="500"/>
+                                        <p:tgtEl>
+                                          <p:spTgt spid="4">
+                                            <p:txEl>
+                                              <p:pRg st="6" end="6"/>
+                                            </p:txEl>
+                                          </p:spTgt>
+                                        </p:tgtEl>
+                                      </p:cBhvr>
+                                    </p:animEffect>
+                                  </p:childTnLst>
+                                </p:cTn>
+                              </p:par>
+                              <p:par>
+                                <p:cTn id="38" presetID="22" presetClass="entr" presetSubtype="8" fill="hold" grpId="0" nodeType="withEffect">
+                                  <p:stCondLst>
+                                    <p:cond delay="0"/>
+                                  </p:stCondLst>
+                                  <p:childTnLst>
+                                    <p:set>
+                                      <p:cBhvr>
+                                        <p:cTn id="39" dur="1" fill="hold">
+                                          <p:stCondLst>
+                                            <p:cond delay="0"/>
+                                          </p:stCondLst>
+                                        </p:cTn>
+                                        <p:tgtEl>
+                                          <p:spTgt spid="4">
+                                            <p:txEl>
+                                              <p:pRg st="7" end="7"/>
+                                            </p:txEl>
+                                          </p:spTgt>
+                                        </p:tgtEl>
+                                        <p:attrNameLst>
+                                          <p:attrName>style.visibility</p:attrName>
+                                        </p:attrNameLst>
+                                      </p:cBhvr>
+                                      <p:to>
+                                        <p:strVal val="visible"/>
+                                      </p:to>
+                                    </p:set>
+                                    <p:animEffect transition="in" filter="wipe(left)">
+                                      <p:cBhvr>
+                                        <p:cTn id="40" dur="500"/>
+                                        <p:tgtEl>
+                                          <p:spTgt spid="4">
+                                            <p:txEl>
+                                              <p:pRg st="7" end="7"/>
+                                            </p:txEl>
+                                          </p:spTgt>
+                                        </p:tgtEl>
+                                      </p:cBhvr>
+                                    </p:animEffect>
+                                  </p:childTnLst>
+                                </p:cTn>
+                              </p:par>
+                            </p:childTnLst>
+                          </p:cTn>
+                        </p:par>
+                      </p:childTnLst>
+                    </p:cTn>
+                  </p:par>
+                  <p:par>
+                    <p:cTn id="41" fill="hold">
+                      <p:stCondLst>
+                        <p:cond delay="indefinite"/>
+                      </p:stCondLst>
+                      <p:childTnLst>
+                        <p:par>
+                          <p:cTn id="42" fill="hold">
+                            <p:stCondLst>
+                              <p:cond delay="0"/>
+                            </p:stCondLst>
+                            <p:childTnLst>
+                              <p:par>
+                                <p:cTn id="43" presetID="22" presetClass="entr" presetSubtype="8" fill="hold" grpId="0" nodeType="clickEffect">
+                                  <p:stCondLst>
+                                    <p:cond delay="0"/>
+                                  </p:stCondLst>
+                                  <p:childTnLst>
+                                    <p:set>
+                                      <p:cBhvr>
+                                        <p:cTn id="44" dur="1" fill="hold">
+                                          <p:stCondLst>
+                                            <p:cond delay="0"/>
+                                          </p:stCondLst>
+                                        </p:cTn>
+                                        <p:tgtEl>
+                                          <p:spTgt spid="3">
+                                            <p:txEl>
+                                              <p:pRg st="0" end="0"/>
+                                            </p:txEl>
+                                          </p:spTgt>
+                                        </p:tgtEl>
+                                        <p:attrNameLst>
+                                          <p:attrName>style.visibility</p:attrName>
+                                        </p:attrNameLst>
+                                      </p:cBhvr>
+                                      <p:to>
+                                        <p:strVal val="visible"/>
+                                      </p:to>
+                                    </p:set>
+                                    <p:animEffect transition="in" filter="wipe(left)">
+                                      <p:cBhvr>
+                                        <p:cTn id="45" dur="500"/>
+                                        <p:tgtEl>
+                                          <p:spTgt spid="3">
+                                            <p:txEl>
+                                              <p:pRg st="0" end="0"/>
+                                            </p:txEl>
+                                          </p:spTgt>
+                                        </p:tgtEl>
+                                      </p:cBhvr>
+                                    </p:animEffect>
+                                  </p:childTnLst>
+                                </p:cTn>
+                              </p:par>
+                            </p:childTnLst>
+                          </p:cTn>
+                        </p:par>
+                      </p:childTnLst>
+                    </p:cTn>
+                  </p:par>
+                </p:childTnLst>
+              </p:cTn>
+              <p:prevCondLst>
+                <p:cond evt="onPrev" delay="0">
+                  <p:tgtEl>
+                    <p:sldTgt/>
+                  </p:tgtEl>
+                </p:cond>
+              </p:prevCondLst>
+              <p:nextCondLst>
+                <p:cond evt="onNext" delay="0">
+                  <p:tgtEl>
+                    <p:sldTgt/>
+                  </p:tgtEl>
+                </p:cond>
+              </p:nextCondLst>
+            </p:seq>
+          </p:childTnLst>
+        </p:cTn>
+      </p:par>
+    </p:tnLst>
+    <p:bldLst>
+      <p:bldP spid="4" grpId="0" uiExpand="1" build="p" bldLvl="2"/>
+      <p:bldP spid="3" grpId="0" build="p"/>
+    </p:bldLst>
+  </p:timing>
 </p:sld>
 </file>
 
@@ -12431,9 +11969,12 @@
 </file>
 
 <file path=customXml/item1.xml><?xml version="1.0" encoding="utf-8"?>
-<p:properties xmlns:p="http://schemas.microsoft.com/office/2006/metadata/properties" xmlns:xsi="http://www.w3.org/2001/XMLSchema-instance" xmlns:pc="http://schemas.microsoft.com/office/infopath/2007/PartnerControls">
-  <documentManagement/>
-</p:properties>
+<?mso-contentType ?>
+<FormTemplates xmlns="http://schemas.microsoft.com/sharepoint/v3/contenttype/forms">
+  <Display>DocumentLibraryForm</Display>
+  <Edit>DocumentLibraryForm</Edit>
+  <New>DocumentLibraryForm</New>
+</FormTemplates>
 </file>
 
 <file path=customXml/item2.xml><?xml version="1.0" encoding="utf-8"?>
@@ -12654,27 +12195,15 @@
 </file>
 
 <file path=customXml/item3.xml><?xml version="1.0" encoding="utf-8"?>
-<?mso-contentType ?>
-<FormTemplates xmlns="http://schemas.microsoft.com/sharepoint/v3/contenttype/forms">
-  <Display>DocumentLibraryForm</Display>
-  <Edit>DocumentLibraryForm</Edit>
-  <New>DocumentLibraryForm</New>
-</FormTemplates>
+<p:properties xmlns:p="http://schemas.microsoft.com/office/2006/metadata/properties" xmlns:xsi="http://www.w3.org/2001/XMLSchema-instance" xmlns:pc="http://schemas.microsoft.com/office/infopath/2007/PartnerControls">
+  <documentManagement/>
+</p:properties>
 </file>
 
 <file path=customXml/itemProps1.xml><?xml version="1.0" encoding="utf-8"?>
-<ds:datastoreItem xmlns:ds="http://schemas.openxmlformats.org/officeDocument/2006/customXml" ds:itemID="{D6405D58-8AA8-4FB2-A549-3AE7234CE79B}">
+<ds:datastoreItem xmlns:ds="http://schemas.openxmlformats.org/officeDocument/2006/customXml" ds:itemID="{64CFF4CB-2157-4462-882E-7C7509AE6A60}">
   <ds:schemaRefs>
-    <ds:schemaRef ds:uri="http://purl.org/dc/terms/"/>
-    <ds:schemaRef ds:uri="http://schemas.openxmlformats.org/package/2006/metadata/core-properties"/>
-    <ds:schemaRef ds:uri="http://schemas.microsoft.com/office/2006/documentManagement/types"/>
-    <ds:schemaRef ds:uri="http://schemas.microsoft.com/office/infopath/2007/PartnerControls"/>
-    <ds:schemaRef ds:uri="63ebc9d3-73c5-43d0-b794-270dc3c2d1a0"/>
-    <ds:schemaRef ds:uri="http://purl.org/dc/elements/1.1/"/>
-    <ds:schemaRef ds:uri="http://schemas.microsoft.com/office/2006/metadata/properties"/>
-    <ds:schemaRef ds:uri="e6b6b08c-4e37-4703-b140-b9e21b970c4f"/>
-    <ds:schemaRef ds:uri="http://www.w3.org/XML/1998/namespace"/>
-    <ds:schemaRef ds:uri="http://purl.org/dc/dcmitype/"/>
+    <ds:schemaRef ds:uri="http://schemas.microsoft.com/sharepoint/v3/contenttype/forms"/>
   </ds:schemaRefs>
 </ds:datastoreItem>
 </file>
@@ -12699,9 +12228,18 @@
 </file>
 
 <file path=customXml/itemProps3.xml><?xml version="1.0" encoding="utf-8"?>
-<ds:datastoreItem xmlns:ds="http://schemas.openxmlformats.org/officeDocument/2006/customXml" ds:itemID="{64CFF4CB-2157-4462-882E-7C7509AE6A60}">
+<ds:datastoreItem xmlns:ds="http://schemas.openxmlformats.org/officeDocument/2006/customXml" ds:itemID="{D6405D58-8AA8-4FB2-A549-3AE7234CE79B}">
   <ds:schemaRefs>
-    <ds:schemaRef ds:uri="http://schemas.microsoft.com/sharepoint/v3/contenttype/forms"/>
+    <ds:schemaRef ds:uri="http://purl.org/dc/terms/"/>
+    <ds:schemaRef ds:uri="http://schemas.openxmlformats.org/package/2006/metadata/core-properties"/>
+    <ds:schemaRef ds:uri="http://schemas.microsoft.com/office/2006/documentManagement/types"/>
+    <ds:schemaRef ds:uri="http://schemas.microsoft.com/office/infopath/2007/PartnerControls"/>
+    <ds:schemaRef ds:uri="63ebc9d3-73c5-43d0-b794-270dc3c2d1a0"/>
+    <ds:schemaRef ds:uri="http://purl.org/dc/elements/1.1/"/>
+    <ds:schemaRef ds:uri="http://schemas.microsoft.com/office/2006/metadata/properties"/>
+    <ds:schemaRef ds:uri="e6b6b08c-4e37-4703-b140-b9e21b970c4f"/>
+    <ds:schemaRef ds:uri="http://www.w3.org/XML/1998/namespace"/>
+    <ds:schemaRef ds:uri="http://purl.org/dc/dcmitype/"/>
   </ds:schemaRefs>
 </ds:datastoreItem>
 </file>